--- a/Ecosystem approach to Opioid Crisis.pptx
+++ b/Ecosystem approach to Opioid Crisis.pptx
@@ -7,16 +7,14 @@
   <p:sldIdLst>
     <p:sldId id="256" r:id="rId2"/>
     <p:sldId id="257" r:id="rId3"/>
-    <p:sldId id="266" r:id="rId4"/>
-    <p:sldId id="261" r:id="rId5"/>
-    <p:sldId id="265" r:id="rId6"/>
-    <p:sldId id="258" r:id="rId7"/>
-    <p:sldId id="259" r:id="rId8"/>
-    <p:sldId id="260" r:id="rId9"/>
-    <p:sldId id="262" r:id="rId10"/>
-    <p:sldId id="263" r:id="rId11"/>
-    <p:sldId id="264" r:id="rId12"/>
-    <p:sldId id="267" r:id="rId13"/>
+    <p:sldId id="261" r:id="rId4"/>
+    <p:sldId id="265" r:id="rId5"/>
+    <p:sldId id="258" r:id="rId6"/>
+    <p:sldId id="259" r:id="rId7"/>
+    <p:sldId id="260" r:id="rId8"/>
+    <p:sldId id="262" r:id="rId9"/>
+    <p:sldId id="263" r:id="rId10"/>
+    <p:sldId id="264" r:id="rId11"/>
   </p:sldIdLst>
   <p:sldSz cx="12192000" cy="6858000"/>
   <p:notesSz cx="6858000" cy="9144000"/>
@@ -7787,97 +7785,6 @@
         </p:nvSpPr>
         <p:spPr>
           <a:xfrm>
-            <a:off x="2377177" y="490329"/>
-            <a:ext cx="8915400" cy="5950227"/>
-          </a:xfrm>
-        </p:spPr>
-        <p:txBody>
-          <a:bodyPr>
-            <a:normAutofit/>
-          </a:bodyPr>
-          <a:lstStyle/>
-          <a:p>
-            <a:r>
-              <a:rPr lang="en-IN" sz="2800" dirty="0">
-                <a:latin typeface="Segoe UI" panose="020B0502040204020203" pitchFamily="34" charset="0"/>
-                <a:cs typeface="Segoe UI" panose="020B0502040204020203" pitchFamily="34" charset="0"/>
-              </a:rPr>
-              <a:t>Stakeholders</a:t>
-            </a:r>
-          </a:p>
-          <a:p>
-            <a:endParaRPr lang="en-IN" sz="2800" dirty="0"/>
-          </a:p>
-          <a:p>
-            <a:r>
-              <a:rPr lang="en-IN" sz="2800" dirty="0"/>
-              <a:t>5. </a:t>
-            </a:r>
-            <a:r>
-              <a:rPr lang="en-IN" sz="2400" dirty="0">
-                <a:latin typeface="Segoe UI" panose="020B0502040204020203" pitchFamily="34" charset="0"/>
-                <a:cs typeface="Segoe UI" panose="020B0502040204020203" pitchFamily="34" charset="0"/>
-              </a:rPr>
-              <a:t>Public Health Organization (Ecosystem)</a:t>
-            </a:r>
-          </a:p>
-          <a:p>
-            <a:endParaRPr lang="en-IN" sz="2400" dirty="0"/>
-          </a:p>
-          <a:p>
-            <a:r>
-              <a:rPr lang="en-US" dirty="0"/>
-              <a:t>Collaborate with other organizations to find patients who are abusing opioids</a:t>
-            </a:r>
-            <a:endParaRPr lang="en-IN" dirty="0"/>
-          </a:p>
-          <a:p>
-            <a:endParaRPr lang="en-IN" sz="2800" dirty="0"/>
-          </a:p>
-        </p:txBody>
-      </p:sp>
-    </p:spTree>
-    <p:extLst>
-      <p:ext uri="{BB962C8B-B14F-4D97-AF65-F5344CB8AC3E}">
-        <p14:creationId xmlns:p14="http://schemas.microsoft.com/office/powerpoint/2010/main" val="4038624650"/>
-      </p:ext>
-    </p:extLst>
-  </p:cSld>
-  <p:clrMapOvr>
-    <a:masterClrMapping/>
-  </p:clrMapOvr>
-</p:sld>
-</file>
-
-<file path=ppt/slides/slide11.xml><?xml version="1.0" encoding="utf-8"?>
-<p:sld xmlns:a="http://schemas.openxmlformats.org/drawingml/2006/main" xmlns:r="http://schemas.openxmlformats.org/officeDocument/2006/relationships" xmlns:p="http://schemas.openxmlformats.org/presentationml/2006/main">
-  <p:cSld>
-    <p:spTree>
-      <p:nvGrpSpPr>
-        <p:cNvPr id="1" name=""/>
-        <p:cNvGrpSpPr/>
-        <p:nvPr/>
-      </p:nvGrpSpPr>
-      <p:grpSpPr>
-        <a:xfrm>
-          <a:off x="0" y="0"/>
-          <a:ext cx="0" cy="0"/>
-          <a:chOff x="0" y="0"/>
-          <a:chExt cx="0" cy="0"/>
-        </a:xfrm>
-      </p:grpSpPr>
-      <p:sp>
-        <p:nvSpPr>
-          <p:cNvPr id="3" name="Content Placeholder 2"/>
-          <p:cNvSpPr>
-            <a:spLocks noGrp="1"/>
-          </p:cNvSpPr>
-          <p:nvPr>
-            <p:ph idx="1"/>
-          </p:nvPr>
-        </p:nvSpPr>
-        <p:spPr>
-          <a:xfrm>
             <a:off x="2628968" y="503583"/>
             <a:ext cx="8915400" cy="5976730"/>
           </a:xfrm>
@@ -7922,36 +7829,6 @@
     <p:extLst>
       <p:ext uri="{BB962C8B-B14F-4D97-AF65-F5344CB8AC3E}">
         <p14:creationId xmlns:p14="http://schemas.microsoft.com/office/powerpoint/2010/main" val="2252608872"/>
-      </p:ext>
-    </p:extLst>
-  </p:cSld>
-  <p:clrMapOvr>
-    <a:masterClrMapping/>
-  </p:clrMapOvr>
-</p:sld>
-</file>
-
-<file path=ppt/slides/slide12.xml><?xml version="1.0" encoding="utf-8"?>
-<p:sld xmlns:a="http://schemas.openxmlformats.org/drawingml/2006/main" xmlns:r="http://schemas.openxmlformats.org/officeDocument/2006/relationships" xmlns:p="http://schemas.openxmlformats.org/presentationml/2006/main">
-  <p:cSld>
-    <p:spTree>
-      <p:nvGrpSpPr>
-        <p:cNvPr id="1" name=""/>
-        <p:cNvGrpSpPr/>
-        <p:nvPr/>
-      </p:nvGrpSpPr>
-      <p:grpSpPr>
-        <a:xfrm>
-          <a:off x="0" y="0"/>
-          <a:ext cx="0" cy="0"/>
-          <a:chOff x="0" y="0"/>
-          <a:chExt cx="0" cy="0"/>
-        </a:xfrm>
-      </p:grpSpPr>
-    </p:spTree>
-    <p:extLst>
-      <p:ext uri="{BB962C8B-B14F-4D97-AF65-F5344CB8AC3E}">
-        <p14:creationId xmlns:p14="http://schemas.microsoft.com/office/powerpoint/2010/main" val="332461270"/>
       </p:ext>
     </p:extLst>
   </p:cSld>
@@ -8111,90 +7988,6 @@
         </p:nvSpPr>
         <p:spPr>
           <a:xfrm>
-            <a:off x="2589212" y="712177"/>
-            <a:ext cx="8915400" cy="5199045"/>
-          </a:xfrm>
-        </p:spPr>
-        <p:txBody>
-          <a:bodyPr/>
-          <a:lstStyle/>
-          <a:p>
-            <a:r>
-              <a:rPr lang="en-US" dirty="0"/>
-              <a:t>Stake holders</a:t>
-            </a:r>
-          </a:p>
-          <a:p>
-            <a:endParaRPr lang="en-US" dirty="0"/>
-          </a:p>
-        </p:txBody>
-      </p:sp>
-      <p:pic>
-        <p:nvPicPr>
-          <p:cNvPr id="7" name="Picture 6"/>
-          <p:cNvPicPr>
-            <a:picLocks noChangeAspect="1"/>
-          </p:cNvPicPr>
-          <p:nvPr/>
-        </p:nvPicPr>
-        <p:blipFill>
-          <a:blip r:embed="rId2"/>
-          <a:stretch>
-            <a:fillRect/>
-          </a:stretch>
-        </p:blipFill>
-        <p:spPr>
-          <a:xfrm>
-            <a:off x="7308606" y="1406699"/>
-            <a:ext cx="3810000" cy="3810000"/>
-          </a:xfrm>
-          <a:prstGeom prst="rect">
-            <a:avLst/>
-          </a:prstGeom>
-        </p:spPr>
-      </p:pic>
-    </p:spTree>
-    <p:extLst>
-      <p:ext uri="{BB962C8B-B14F-4D97-AF65-F5344CB8AC3E}">
-        <p14:creationId xmlns:p14="http://schemas.microsoft.com/office/powerpoint/2010/main" val="1845618701"/>
-      </p:ext>
-    </p:extLst>
-  </p:cSld>
-  <p:clrMapOvr>
-    <a:masterClrMapping/>
-  </p:clrMapOvr>
-</p:sld>
-</file>
-
-<file path=ppt/slides/slide4.xml><?xml version="1.0" encoding="utf-8"?>
-<p:sld xmlns:a="http://schemas.openxmlformats.org/drawingml/2006/main" xmlns:r="http://schemas.openxmlformats.org/officeDocument/2006/relationships" xmlns:p="http://schemas.openxmlformats.org/presentationml/2006/main">
-  <p:cSld>
-    <p:spTree>
-      <p:nvGrpSpPr>
-        <p:cNvPr id="1" name=""/>
-        <p:cNvGrpSpPr/>
-        <p:nvPr/>
-      </p:nvGrpSpPr>
-      <p:grpSpPr>
-        <a:xfrm>
-          <a:off x="0" y="0"/>
-          <a:ext cx="0" cy="0"/>
-          <a:chOff x="0" y="0"/>
-          <a:chExt cx="0" cy="0"/>
-        </a:xfrm>
-      </p:grpSpPr>
-      <p:sp>
-        <p:nvSpPr>
-          <p:cNvPr id="3" name="Content Placeholder 2"/>
-          <p:cNvSpPr>
-            <a:spLocks noGrp="1"/>
-          </p:cNvSpPr>
-          <p:nvPr>
-            <p:ph idx="1"/>
-          </p:nvPr>
-        </p:nvSpPr>
-        <p:spPr>
-          <a:xfrm>
             <a:off x="2377177" y="490329"/>
             <a:ext cx="8915400" cy="5950227"/>
           </a:xfrm>
@@ -8274,7 +8067,7 @@
 </p:sld>
 </file>
 
-<file path=ppt/slides/slide5.xml><?xml version="1.0" encoding="utf-8"?>
+<file path=ppt/slides/slide4.xml><?xml version="1.0" encoding="utf-8"?>
 <p:sld xmlns:a="http://schemas.openxmlformats.org/drawingml/2006/main" xmlns:r="http://schemas.openxmlformats.org/officeDocument/2006/relationships" xmlns:p="http://schemas.openxmlformats.org/presentationml/2006/main">
   <p:cSld>
     <p:spTree>
@@ -8453,6 +8246,129 @@
 </p:sld>
 </file>
 
+<file path=ppt/slides/slide5.xml><?xml version="1.0" encoding="utf-8"?>
+<p:sld xmlns:a="http://schemas.openxmlformats.org/drawingml/2006/main" xmlns:r="http://schemas.openxmlformats.org/officeDocument/2006/relationships" xmlns:p="http://schemas.openxmlformats.org/presentationml/2006/main">
+  <p:cSld>
+    <p:spTree>
+      <p:nvGrpSpPr>
+        <p:cNvPr id="1" name=""/>
+        <p:cNvGrpSpPr/>
+        <p:nvPr/>
+      </p:nvGrpSpPr>
+      <p:grpSpPr>
+        <a:xfrm>
+          <a:off x="0" y="0"/>
+          <a:ext cx="0" cy="0"/>
+          <a:chOff x="0" y="0"/>
+          <a:chExt cx="0" cy="0"/>
+        </a:xfrm>
+      </p:grpSpPr>
+      <p:sp>
+        <p:nvSpPr>
+          <p:cNvPr id="3" name="Content Placeholder 2"/>
+          <p:cNvSpPr>
+            <a:spLocks noGrp="1"/>
+          </p:cNvSpPr>
+          <p:nvPr>
+            <p:ph idx="1"/>
+          </p:nvPr>
+        </p:nvSpPr>
+        <p:spPr>
+          <a:xfrm>
+            <a:off x="2377177" y="490329"/>
+            <a:ext cx="8915400" cy="5950227"/>
+          </a:xfrm>
+        </p:spPr>
+        <p:txBody>
+          <a:bodyPr>
+            <a:normAutofit/>
+          </a:bodyPr>
+          <a:lstStyle/>
+          <a:p>
+            <a:r>
+              <a:rPr lang="en-IN" sz="2800" dirty="0">
+                <a:latin typeface="Segoe UI" panose="020B0502040204020203" pitchFamily="34" charset="0"/>
+                <a:cs typeface="Segoe UI" panose="020B0502040204020203" pitchFamily="34" charset="0"/>
+              </a:rPr>
+              <a:t>Stakeholders</a:t>
+            </a:r>
+          </a:p>
+          <a:p>
+            <a:endParaRPr lang="en-IN" sz="2800" dirty="0"/>
+          </a:p>
+          <a:p>
+            <a:r>
+              <a:rPr lang="en-IN" sz="2800" dirty="0"/>
+              <a:t>2. </a:t>
+            </a:r>
+            <a:r>
+              <a:rPr lang="en-IN" sz="2400" dirty="0">
+                <a:latin typeface="Segoe UI" panose="020B0502040204020203" pitchFamily="34" charset="0"/>
+                <a:cs typeface="Segoe UI" panose="020B0502040204020203" pitchFamily="34" charset="0"/>
+              </a:rPr>
+              <a:t>Pharmacy Enterprise</a:t>
+            </a:r>
+          </a:p>
+          <a:p>
+            <a:endParaRPr lang="en-IN" sz="2400" dirty="0"/>
+          </a:p>
+          <a:p>
+            <a:r>
+              <a:rPr lang="en-US" dirty="0">
+                <a:latin typeface="Segoe UI" panose="020B0502040204020203" pitchFamily="34" charset="0"/>
+                <a:cs typeface="Segoe UI" panose="020B0502040204020203" pitchFamily="34" charset="0"/>
+              </a:rPr>
+              <a:t>Order opioids from pharma companies</a:t>
+            </a:r>
+            <a:endParaRPr lang="en-IN" dirty="0">
+              <a:latin typeface="Segoe UI" panose="020B0502040204020203" pitchFamily="34" charset="0"/>
+              <a:cs typeface="Segoe UI" panose="020B0502040204020203" pitchFamily="34" charset="0"/>
+            </a:endParaRPr>
+          </a:p>
+          <a:p>
+            <a:r>
+              <a:rPr lang="en-US" dirty="0">
+                <a:latin typeface="Segoe UI" panose="020B0502040204020203" pitchFamily="34" charset="0"/>
+                <a:cs typeface="Segoe UI" panose="020B0502040204020203" pitchFamily="34" charset="0"/>
+              </a:rPr>
+              <a:t>Sell opioids based on demand</a:t>
+            </a:r>
+            <a:endParaRPr lang="en-IN" dirty="0">
+              <a:latin typeface="Segoe UI" panose="020B0502040204020203" pitchFamily="34" charset="0"/>
+              <a:cs typeface="Segoe UI" panose="020B0502040204020203" pitchFamily="34" charset="0"/>
+            </a:endParaRPr>
+          </a:p>
+          <a:p>
+            <a:r>
+              <a:rPr lang="en-US" dirty="0">
+                <a:latin typeface="Segoe UI" panose="020B0502040204020203" pitchFamily="34" charset="0"/>
+                <a:cs typeface="Segoe UI" panose="020B0502040204020203" pitchFamily="34" charset="0"/>
+              </a:rPr>
+              <a:t>Keep a track of purchase history</a:t>
+            </a:r>
+            <a:endParaRPr lang="en-IN" dirty="0">
+              <a:latin typeface="Segoe UI" panose="020B0502040204020203" pitchFamily="34" charset="0"/>
+              <a:cs typeface="Segoe UI" panose="020B0502040204020203" pitchFamily="34" charset="0"/>
+            </a:endParaRPr>
+          </a:p>
+          <a:p>
+            <a:endParaRPr lang="en-IN" sz="2800" dirty="0"/>
+          </a:p>
+        </p:txBody>
+      </p:sp>
+    </p:spTree>
+    <p:extLst>
+      <p:ext uri="{BB962C8B-B14F-4D97-AF65-F5344CB8AC3E}">
+        <p14:creationId xmlns:p14="http://schemas.microsoft.com/office/powerpoint/2010/main" val="2994002200"/>
+      </p:ext>
+    </p:extLst>
+  </p:cSld>
+  <p:clrMapOvr>
+    <a:masterClrMapping/>
+  </p:clrMapOvr>
+</p:sld>
+</file>
+
 <file path=ppt/slides/slide6.xml><?xml version="1.0" encoding="utf-8"?>
 <p:sld xmlns:a="http://schemas.openxmlformats.org/drawingml/2006/main" xmlns:r="http://schemas.openxmlformats.org/officeDocument/2006/relationships" xmlns:p="http://schemas.openxmlformats.org/presentationml/2006/main">
   <p:cSld>
@@ -8506,17 +8422,20 @@
           <a:p>
             <a:r>
               <a:rPr lang="en-IN" sz="2800" dirty="0"/>
-              <a:t>2. </a:t>
+              <a:t>3. </a:t>
             </a:r>
             <a:r>
               <a:rPr lang="en-IN" sz="2400" dirty="0">
                 <a:latin typeface="Segoe UI" panose="020B0502040204020203" pitchFamily="34" charset="0"/>
                 <a:cs typeface="Segoe UI" panose="020B0502040204020203" pitchFamily="34" charset="0"/>
               </a:rPr>
-              <a:t>Pharmacy Enterprise</a:t>
-            </a:r>
-          </a:p>
-          <a:p>
+              <a:t>Pharmaceutical Company Enterprise</a:t>
+            </a:r>
+          </a:p>
+          <a:p>
+            <a:pPr marL="0" indent="0">
+              <a:buNone/>
+            </a:pPr>
             <a:endParaRPr lang="en-IN" sz="2400" dirty="0"/>
           </a:p>
           <a:p>
@@ -8525,7 +8444,7 @@
                 <a:latin typeface="Segoe UI" panose="020B0502040204020203" pitchFamily="34" charset="0"/>
                 <a:cs typeface="Segoe UI" panose="020B0502040204020203" pitchFamily="34" charset="0"/>
               </a:rPr>
-              <a:t>Order opioids from pharma companies</a:t>
+              <a:t>Supply opioids</a:t>
             </a:r>
             <a:endParaRPr lang="en-IN" dirty="0">
               <a:latin typeface="Segoe UI" panose="020B0502040204020203" pitchFamily="34" charset="0"/>
@@ -8538,7 +8457,7 @@
                 <a:latin typeface="Segoe UI" panose="020B0502040204020203" pitchFamily="34" charset="0"/>
                 <a:cs typeface="Segoe UI" panose="020B0502040204020203" pitchFamily="34" charset="0"/>
               </a:rPr>
-              <a:t>Sell opioids based on demand</a:t>
+              <a:t>Keep a track of opioids supplied across various organizations</a:t>
             </a:r>
             <a:endParaRPr lang="en-IN" dirty="0">
               <a:latin typeface="Segoe UI" panose="020B0502040204020203" pitchFamily="34" charset="0"/>
@@ -8546,19 +8465,6 @@
             </a:endParaRPr>
           </a:p>
           <a:p>
-            <a:r>
-              <a:rPr lang="en-US" dirty="0">
-                <a:latin typeface="Segoe UI" panose="020B0502040204020203" pitchFamily="34" charset="0"/>
-                <a:cs typeface="Segoe UI" panose="020B0502040204020203" pitchFamily="34" charset="0"/>
-              </a:rPr>
-              <a:t>Keep a track of purchase history</a:t>
-            </a:r>
-            <a:endParaRPr lang="en-IN" dirty="0">
-              <a:latin typeface="Segoe UI" panose="020B0502040204020203" pitchFamily="34" charset="0"/>
-              <a:cs typeface="Segoe UI" panose="020B0502040204020203" pitchFamily="34" charset="0"/>
-            </a:endParaRPr>
-          </a:p>
-          <a:p>
             <a:endParaRPr lang="en-IN" sz="2800" dirty="0"/>
           </a:p>
         </p:txBody>
@@ -8566,7 +8472,7 @@
     </p:spTree>
     <p:extLst>
       <p:ext uri="{BB962C8B-B14F-4D97-AF65-F5344CB8AC3E}">
-        <p14:creationId xmlns:p14="http://schemas.microsoft.com/office/powerpoint/2010/main" val="2994002200"/>
+        <p14:creationId xmlns:p14="http://schemas.microsoft.com/office/powerpoint/2010/main" val="1249275196"/>
       </p:ext>
     </p:extLst>
   </p:cSld>
@@ -8629,47 +8535,32 @@
           <a:p>
             <a:r>
               <a:rPr lang="en-IN" sz="2800" dirty="0"/>
-              <a:t>3. </a:t>
+              <a:t>4. </a:t>
             </a:r>
             <a:r>
               <a:rPr lang="en-IN" sz="2400" dirty="0">
                 <a:latin typeface="Segoe UI" panose="020B0502040204020203" pitchFamily="34" charset="0"/>
                 <a:cs typeface="Segoe UI" panose="020B0502040204020203" pitchFamily="34" charset="0"/>
               </a:rPr>
-              <a:t>Pharmaceutical Company Enterprise</a:t>
-            </a:r>
-          </a:p>
-          <a:p>
-            <a:pPr marL="0" indent="0">
-              <a:buNone/>
-            </a:pPr>
+              <a:t>Community Rehabilitation Enterprise</a:t>
+            </a:r>
+          </a:p>
+          <a:p>
             <a:endParaRPr lang="en-IN" sz="2400" dirty="0"/>
           </a:p>
           <a:p>
             <a:r>
-              <a:rPr lang="en-US" dirty="0">
-                <a:latin typeface="Segoe UI" panose="020B0502040204020203" pitchFamily="34" charset="0"/>
-                <a:cs typeface="Segoe UI" panose="020B0502040204020203" pitchFamily="34" charset="0"/>
-              </a:rPr>
-              <a:t>Supply opioids</a:t>
-            </a:r>
-            <a:endParaRPr lang="en-IN" dirty="0">
-              <a:latin typeface="Segoe UI" panose="020B0502040204020203" pitchFamily="34" charset="0"/>
-              <a:cs typeface="Segoe UI" panose="020B0502040204020203" pitchFamily="34" charset="0"/>
-            </a:endParaRPr>
-          </a:p>
-          <a:p>
-            <a:r>
-              <a:rPr lang="en-US" dirty="0">
-                <a:latin typeface="Segoe UI" panose="020B0502040204020203" pitchFamily="34" charset="0"/>
-                <a:cs typeface="Segoe UI" panose="020B0502040204020203" pitchFamily="34" charset="0"/>
-              </a:rPr>
-              <a:t>Keep a track of opioids supplied across various organizations</a:t>
-            </a:r>
-            <a:endParaRPr lang="en-IN" dirty="0">
-              <a:latin typeface="Segoe UI" panose="020B0502040204020203" pitchFamily="34" charset="0"/>
-              <a:cs typeface="Segoe UI" panose="020B0502040204020203" pitchFamily="34" charset="0"/>
-            </a:endParaRPr>
+              <a:rPr lang="en-US" dirty="0"/>
+              <a:t>Accept patients addicted to opioids</a:t>
+            </a:r>
+            <a:endParaRPr lang="en-IN" dirty="0"/>
+          </a:p>
+          <a:p>
+            <a:r>
+              <a:rPr lang="en-US" dirty="0"/>
+              <a:t>Collaborate with hospitals to fight crisis</a:t>
+            </a:r>
+            <a:endParaRPr lang="en-IN" dirty="0"/>
           </a:p>
           <a:p>
             <a:endParaRPr lang="en-IN" sz="2800" dirty="0"/>
@@ -8679,7 +8570,7 @@
     </p:spTree>
     <p:extLst>
       <p:ext uri="{BB962C8B-B14F-4D97-AF65-F5344CB8AC3E}">
-        <p14:creationId xmlns:p14="http://schemas.microsoft.com/office/powerpoint/2010/main" val="1249275196"/>
+        <p14:creationId xmlns:p14="http://schemas.microsoft.com/office/powerpoint/2010/main" val="3362439739"/>
       </p:ext>
     </p:extLst>
   </p:cSld>
@@ -8742,14 +8633,14 @@
           <a:p>
             <a:r>
               <a:rPr lang="en-IN" sz="2800" dirty="0"/>
-              <a:t>4. </a:t>
+              <a:t>5. </a:t>
             </a:r>
             <a:r>
               <a:rPr lang="en-IN" sz="2400" dirty="0">
                 <a:latin typeface="Segoe UI" panose="020B0502040204020203" pitchFamily="34" charset="0"/>
                 <a:cs typeface="Segoe UI" panose="020B0502040204020203" pitchFamily="34" charset="0"/>
               </a:rPr>
-              <a:t>Community Rehabilitation Enterprise</a:t>
+              <a:t>Criminal Justice Department</a:t>
             </a:r>
           </a:p>
           <a:p>
@@ -8758,14 +8649,14 @@
           <a:p>
             <a:r>
               <a:rPr lang="en-US" dirty="0"/>
-              <a:t>Accept patients addicted to opioids</a:t>
+              <a:t>Find pharmacies who are selling the opioids illegally </a:t>
             </a:r>
             <a:endParaRPr lang="en-IN" dirty="0"/>
           </a:p>
           <a:p>
             <a:r>
               <a:rPr lang="en-US" dirty="0"/>
-              <a:t>Collaborate with hospitals to fight crisis</a:t>
+              <a:t>Find doctors who prescribe opioids despite medical history of abuse</a:t>
             </a:r>
             <a:endParaRPr lang="en-IN" dirty="0"/>
           </a:p>
@@ -8777,7 +8668,7 @@
     </p:spTree>
     <p:extLst>
       <p:ext uri="{BB962C8B-B14F-4D97-AF65-F5344CB8AC3E}">
-        <p14:creationId xmlns:p14="http://schemas.microsoft.com/office/powerpoint/2010/main" val="3362439739"/>
+        <p14:creationId xmlns:p14="http://schemas.microsoft.com/office/powerpoint/2010/main" val="3973559264"/>
       </p:ext>
     </p:extLst>
   </p:cSld>
@@ -8847,7 +8738,7 @@
                 <a:latin typeface="Segoe UI" panose="020B0502040204020203" pitchFamily="34" charset="0"/>
                 <a:cs typeface="Segoe UI" panose="020B0502040204020203" pitchFamily="34" charset="0"/>
               </a:rPr>
-              <a:t>Criminal Justice Department</a:t>
+              <a:t>Public Health Organization (Ecosystem)</a:t>
             </a:r>
           </a:p>
           <a:p>
@@ -8856,14 +8747,7 @@
           <a:p>
             <a:r>
               <a:rPr lang="en-US" dirty="0"/>
-              <a:t>Find pharmacies who are selling the opioids illegally </a:t>
-            </a:r>
-            <a:endParaRPr lang="en-IN" dirty="0"/>
-          </a:p>
-          <a:p>
-            <a:r>
-              <a:rPr lang="en-US" dirty="0"/>
-              <a:t>Find doctors who prescribe opioids despite medical history of abuse</a:t>
+              <a:t>Collaborate with other organizations to find patients who are abusing opioids</a:t>
             </a:r>
             <a:endParaRPr lang="en-IN" dirty="0"/>
           </a:p>
@@ -8875,7 +8759,7 @@
     </p:spTree>
     <p:extLst>
       <p:ext uri="{BB962C8B-B14F-4D97-AF65-F5344CB8AC3E}">
-        <p14:creationId xmlns:p14="http://schemas.microsoft.com/office/powerpoint/2010/main" val="3973559264"/>
+        <p14:creationId xmlns:p14="http://schemas.microsoft.com/office/powerpoint/2010/main" val="4038624650"/>
       </p:ext>
     </p:extLst>
   </p:cSld>

--- a/Ecosystem approach to Opioid Crisis.pptx
+++ b/Ecosystem approach to Opioid Crisis.pptx
@@ -4,17 +4,26 @@
   <p:sldMasterIdLst>
     <p:sldMasterId id="2147483648" r:id="rId1"/>
   </p:sldMasterIdLst>
+  <p:notesMasterIdLst>
+    <p:notesMasterId r:id="rId18"/>
+  </p:notesMasterIdLst>
   <p:sldIdLst>
     <p:sldId id="256" r:id="rId2"/>
     <p:sldId id="257" r:id="rId3"/>
-    <p:sldId id="261" r:id="rId4"/>
-    <p:sldId id="265" r:id="rId5"/>
-    <p:sldId id="258" r:id="rId6"/>
-    <p:sldId id="259" r:id="rId7"/>
-    <p:sldId id="260" r:id="rId8"/>
-    <p:sldId id="262" r:id="rId9"/>
-    <p:sldId id="263" r:id="rId10"/>
-    <p:sldId id="264" r:id="rId11"/>
+    <p:sldId id="267" r:id="rId4"/>
+    <p:sldId id="261" r:id="rId5"/>
+    <p:sldId id="268" r:id="rId6"/>
+    <p:sldId id="265" r:id="rId7"/>
+    <p:sldId id="271" r:id="rId8"/>
+    <p:sldId id="272" r:id="rId9"/>
+    <p:sldId id="269" r:id="rId10"/>
+    <p:sldId id="273" r:id="rId11"/>
+    <p:sldId id="270" r:id="rId12"/>
+    <p:sldId id="274" r:id="rId13"/>
+    <p:sldId id="264" r:id="rId14"/>
+    <p:sldId id="276" r:id="rId15"/>
+    <p:sldId id="277" r:id="rId16"/>
+    <p:sldId id="275" r:id="rId17"/>
   </p:sldIdLst>
   <p:sldSz cx="12192000" cy="6858000"/>
   <p:notesSz cx="6858000" cy="9144000"/>
@@ -114,11 +123,469 @@
     </a:lvl9pPr>
   </p:defaultTextStyle>
   <p:extLst>
+    <p:ext uri="{521415D9-36F7-43E2-AB2F-B90AF26B5E84}">
+      <p14:sectionLst xmlns:p14="http://schemas.microsoft.com/office/powerpoint/2010/main">
+        <p14:section name="Default Section" id="{B513B5C1-6678-4FF8-A5A0-6C9265C576BF}">
+          <p14:sldIdLst>
+            <p14:sldId id="256"/>
+            <p14:sldId id="257"/>
+            <p14:sldId id="267"/>
+            <p14:sldId id="261"/>
+            <p14:sldId id="268"/>
+            <p14:sldId id="265"/>
+            <p14:sldId id="271"/>
+            <p14:sldId id="272"/>
+            <p14:sldId id="269"/>
+            <p14:sldId id="273"/>
+            <p14:sldId id="270"/>
+            <p14:sldId id="274"/>
+            <p14:sldId id="264"/>
+            <p14:sldId id="276"/>
+            <p14:sldId id="277"/>
+            <p14:sldId id="275"/>
+          </p14:sldIdLst>
+        </p14:section>
+      </p14:sectionLst>
+    </p:ext>
     <p:ext uri="{EFAFB233-063F-42B5-8137-9DF3F51BA10A}">
       <p15:sldGuideLst xmlns:p15="http://schemas.microsoft.com/office/powerpoint/2012/main"/>
     </p:ext>
   </p:extLst>
 </p:presentation>
+</file>
+
+<file path=ppt/notesMasters/notesMaster1.xml><?xml version="1.0" encoding="utf-8"?>
+<p:notesMaster xmlns:a="http://schemas.openxmlformats.org/drawingml/2006/main" xmlns:r="http://schemas.openxmlformats.org/officeDocument/2006/relationships" xmlns:p="http://schemas.openxmlformats.org/presentationml/2006/main">
+  <p:cSld>
+    <p:bg>
+      <p:bgRef idx="1001">
+        <a:schemeClr val="bg1"/>
+      </p:bgRef>
+    </p:bg>
+    <p:spTree>
+      <p:nvGrpSpPr>
+        <p:cNvPr id="1" name=""/>
+        <p:cNvGrpSpPr/>
+        <p:nvPr/>
+      </p:nvGrpSpPr>
+      <p:grpSpPr>
+        <a:xfrm>
+          <a:off x="0" y="0"/>
+          <a:ext cx="0" cy="0"/>
+          <a:chOff x="0" y="0"/>
+          <a:chExt cx="0" cy="0"/>
+        </a:xfrm>
+      </p:grpSpPr>
+      <p:sp>
+        <p:nvSpPr>
+          <p:cNvPr id="2" name="Header Placeholder 1"/>
+          <p:cNvSpPr>
+            <a:spLocks noGrp="1"/>
+          </p:cNvSpPr>
+          <p:nvPr>
+            <p:ph type="hdr" sz="quarter"/>
+          </p:nvPr>
+        </p:nvSpPr>
+        <p:spPr>
+          <a:xfrm>
+            <a:off x="0" y="0"/>
+            <a:ext cx="2971800" cy="458788"/>
+          </a:xfrm>
+          <a:prstGeom prst="rect">
+            <a:avLst/>
+          </a:prstGeom>
+        </p:spPr>
+        <p:txBody>
+          <a:bodyPr vert="horz" lIns="91440" tIns="45720" rIns="91440" bIns="45720" rtlCol="0"/>
+          <a:lstStyle>
+            <a:lvl1pPr algn="l">
+              <a:defRPr sz="1200"/>
+            </a:lvl1pPr>
+          </a:lstStyle>
+          <a:p>
+            <a:endParaRPr lang="en-US"/>
+          </a:p>
+        </p:txBody>
+      </p:sp>
+      <p:sp>
+        <p:nvSpPr>
+          <p:cNvPr id="3" name="Date Placeholder 2"/>
+          <p:cNvSpPr>
+            <a:spLocks noGrp="1"/>
+          </p:cNvSpPr>
+          <p:nvPr>
+            <p:ph type="dt" idx="1"/>
+          </p:nvPr>
+        </p:nvSpPr>
+        <p:spPr>
+          <a:xfrm>
+            <a:off x="3884613" y="0"/>
+            <a:ext cx="2971800" cy="458788"/>
+          </a:xfrm>
+          <a:prstGeom prst="rect">
+            <a:avLst/>
+          </a:prstGeom>
+        </p:spPr>
+        <p:txBody>
+          <a:bodyPr vert="horz" lIns="91440" tIns="45720" rIns="91440" bIns="45720" rtlCol="0"/>
+          <a:lstStyle>
+            <a:lvl1pPr algn="r">
+              <a:defRPr sz="1200"/>
+            </a:lvl1pPr>
+          </a:lstStyle>
+          <a:p>
+            <a:fld id="{63F00E21-52D6-48A2-AA69-CA10BDD08CFE}" type="datetimeFigureOut">
+              <a:rPr lang="en-US" smtClean="0"/>
+              <a:t>12/15/2016</a:t>
+            </a:fld>
+            <a:endParaRPr lang="en-US"/>
+          </a:p>
+        </p:txBody>
+      </p:sp>
+      <p:sp>
+        <p:nvSpPr>
+          <p:cNvPr id="4" name="Slide Image Placeholder 3"/>
+          <p:cNvSpPr>
+            <a:spLocks noGrp="1" noRot="1" noChangeAspect="1"/>
+          </p:cNvSpPr>
+          <p:nvPr>
+            <p:ph type="sldImg" idx="2"/>
+          </p:nvPr>
+        </p:nvSpPr>
+        <p:spPr>
+          <a:xfrm>
+            <a:off x="685800" y="1143000"/>
+            <a:ext cx="5486400" cy="3086100"/>
+          </a:xfrm>
+          <a:prstGeom prst="rect">
+            <a:avLst/>
+          </a:prstGeom>
+          <a:noFill/>
+          <a:ln w="12700">
+            <a:solidFill>
+              <a:prstClr val="black"/>
+            </a:solidFill>
+          </a:ln>
+        </p:spPr>
+        <p:txBody>
+          <a:bodyPr vert="horz" lIns="91440" tIns="45720" rIns="91440" bIns="45720" rtlCol="0" anchor="ctr"/>
+          <a:lstStyle/>
+          <a:p>
+            <a:endParaRPr lang="en-US"/>
+          </a:p>
+        </p:txBody>
+      </p:sp>
+      <p:sp>
+        <p:nvSpPr>
+          <p:cNvPr id="5" name="Notes Placeholder 4"/>
+          <p:cNvSpPr>
+            <a:spLocks noGrp="1"/>
+          </p:cNvSpPr>
+          <p:nvPr>
+            <p:ph type="body" sz="quarter" idx="3"/>
+          </p:nvPr>
+        </p:nvSpPr>
+        <p:spPr>
+          <a:xfrm>
+            <a:off x="685800" y="4400550"/>
+            <a:ext cx="5486400" cy="3600450"/>
+          </a:xfrm>
+          <a:prstGeom prst="rect">
+            <a:avLst/>
+          </a:prstGeom>
+        </p:spPr>
+        <p:txBody>
+          <a:bodyPr vert="horz" lIns="91440" tIns="45720" rIns="91440" bIns="45720" rtlCol="0"/>
+          <a:lstStyle/>
+          <a:p>
+            <a:pPr lvl="0"/>
+            <a:r>
+              <a:rPr lang="en-US"/>
+              <a:t>Edit Master text styles</a:t>
+            </a:r>
+          </a:p>
+          <a:p>
+            <a:pPr lvl="1"/>
+            <a:r>
+              <a:rPr lang="en-US"/>
+              <a:t>Second level</a:t>
+            </a:r>
+          </a:p>
+          <a:p>
+            <a:pPr lvl="2"/>
+            <a:r>
+              <a:rPr lang="en-US"/>
+              <a:t>Third level</a:t>
+            </a:r>
+          </a:p>
+          <a:p>
+            <a:pPr lvl="3"/>
+            <a:r>
+              <a:rPr lang="en-US"/>
+              <a:t>Fourth level</a:t>
+            </a:r>
+          </a:p>
+          <a:p>
+            <a:pPr lvl="4"/>
+            <a:r>
+              <a:rPr lang="en-US"/>
+              <a:t>Fifth level</a:t>
+            </a:r>
+            <a:endParaRPr lang="en-US"/>
+          </a:p>
+        </p:txBody>
+      </p:sp>
+      <p:sp>
+        <p:nvSpPr>
+          <p:cNvPr id="6" name="Footer Placeholder 5"/>
+          <p:cNvSpPr>
+            <a:spLocks noGrp="1"/>
+          </p:cNvSpPr>
+          <p:nvPr>
+            <p:ph type="ftr" sz="quarter" idx="4"/>
+          </p:nvPr>
+        </p:nvSpPr>
+        <p:spPr>
+          <a:xfrm>
+            <a:off x="0" y="8685213"/>
+            <a:ext cx="2971800" cy="458787"/>
+          </a:xfrm>
+          <a:prstGeom prst="rect">
+            <a:avLst/>
+          </a:prstGeom>
+        </p:spPr>
+        <p:txBody>
+          <a:bodyPr vert="horz" lIns="91440" tIns="45720" rIns="91440" bIns="45720" rtlCol="0" anchor="b"/>
+          <a:lstStyle>
+            <a:lvl1pPr algn="l">
+              <a:defRPr sz="1200"/>
+            </a:lvl1pPr>
+          </a:lstStyle>
+          <a:p>
+            <a:endParaRPr lang="en-US"/>
+          </a:p>
+        </p:txBody>
+      </p:sp>
+      <p:sp>
+        <p:nvSpPr>
+          <p:cNvPr id="7" name="Slide Number Placeholder 6"/>
+          <p:cNvSpPr>
+            <a:spLocks noGrp="1"/>
+          </p:cNvSpPr>
+          <p:nvPr>
+            <p:ph type="sldNum" sz="quarter" idx="5"/>
+          </p:nvPr>
+        </p:nvSpPr>
+        <p:spPr>
+          <a:xfrm>
+            <a:off x="3884613" y="8685213"/>
+            <a:ext cx="2971800" cy="458787"/>
+          </a:xfrm>
+          <a:prstGeom prst="rect">
+            <a:avLst/>
+          </a:prstGeom>
+        </p:spPr>
+        <p:txBody>
+          <a:bodyPr vert="horz" lIns="91440" tIns="45720" rIns="91440" bIns="45720" rtlCol="0" anchor="b"/>
+          <a:lstStyle>
+            <a:lvl1pPr algn="r">
+              <a:defRPr sz="1200"/>
+            </a:lvl1pPr>
+          </a:lstStyle>
+          <a:p>
+            <a:fld id="{FF72B3DE-5A7E-4EAC-A59E-BF0BAFDED90D}" type="slidenum">
+              <a:rPr lang="en-US" smtClean="0"/>
+              <a:t>‹#›</a:t>
+            </a:fld>
+            <a:endParaRPr lang="en-US"/>
+          </a:p>
+        </p:txBody>
+      </p:sp>
+    </p:spTree>
+    <p:extLst>
+      <p:ext uri="{BB962C8B-B14F-4D97-AF65-F5344CB8AC3E}">
+        <p14:creationId xmlns:p14="http://schemas.microsoft.com/office/powerpoint/2010/main" val="58186171"/>
+      </p:ext>
+    </p:extLst>
+  </p:cSld>
+  <p:clrMap bg1="lt1" tx1="dk1" bg2="lt2" tx2="dk2" accent1="accent1" accent2="accent2" accent3="accent3" accent4="accent4" accent5="accent5" accent6="accent6" hlink="hlink" folHlink="folHlink"/>
+  <p:notesStyle>
+    <a:lvl1pPr marL="0" algn="l" defTabSz="914400" rtl="0" eaLnBrk="1" latinLnBrk="0" hangingPunct="1">
+      <a:defRPr sz="1200" kern="1200">
+        <a:solidFill>
+          <a:schemeClr val="tx1"/>
+        </a:solidFill>
+        <a:latin typeface="+mn-lt"/>
+        <a:ea typeface="+mn-ea"/>
+        <a:cs typeface="+mn-cs"/>
+      </a:defRPr>
+    </a:lvl1pPr>
+    <a:lvl2pPr marL="457200" algn="l" defTabSz="914400" rtl="0" eaLnBrk="1" latinLnBrk="0" hangingPunct="1">
+      <a:defRPr sz="1200" kern="1200">
+        <a:solidFill>
+          <a:schemeClr val="tx1"/>
+        </a:solidFill>
+        <a:latin typeface="+mn-lt"/>
+        <a:ea typeface="+mn-ea"/>
+        <a:cs typeface="+mn-cs"/>
+      </a:defRPr>
+    </a:lvl2pPr>
+    <a:lvl3pPr marL="914400" algn="l" defTabSz="914400" rtl="0" eaLnBrk="1" latinLnBrk="0" hangingPunct="1">
+      <a:defRPr sz="1200" kern="1200">
+        <a:solidFill>
+          <a:schemeClr val="tx1"/>
+        </a:solidFill>
+        <a:latin typeface="+mn-lt"/>
+        <a:ea typeface="+mn-ea"/>
+        <a:cs typeface="+mn-cs"/>
+      </a:defRPr>
+    </a:lvl3pPr>
+    <a:lvl4pPr marL="1371600" algn="l" defTabSz="914400" rtl="0" eaLnBrk="1" latinLnBrk="0" hangingPunct="1">
+      <a:defRPr sz="1200" kern="1200">
+        <a:solidFill>
+          <a:schemeClr val="tx1"/>
+        </a:solidFill>
+        <a:latin typeface="+mn-lt"/>
+        <a:ea typeface="+mn-ea"/>
+        <a:cs typeface="+mn-cs"/>
+      </a:defRPr>
+    </a:lvl4pPr>
+    <a:lvl5pPr marL="1828800" algn="l" defTabSz="914400" rtl="0" eaLnBrk="1" latinLnBrk="0" hangingPunct="1">
+      <a:defRPr sz="1200" kern="1200">
+        <a:solidFill>
+          <a:schemeClr val="tx1"/>
+        </a:solidFill>
+        <a:latin typeface="+mn-lt"/>
+        <a:ea typeface="+mn-ea"/>
+        <a:cs typeface="+mn-cs"/>
+      </a:defRPr>
+    </a:lvl5pPr>
+    <a:lvl6pPr marL="2286000" algn="l" defTabSz="914400" rtl="0" eaLnBrk="1" latinLnBrk="0" hangingPunct="1">
+      <a:defRPr sz="1200" kern="1200">
+        <a:solidFill>
+          <a:schemeClr val="tx1"/>
+        </a:solidFill>
+        <a:latin typeface="+mn-lt"/>
+        <a:ea typeface="+mn-ea"/>
+        <a:cs typeface="+mn-cs"/>
+      </a:defRPr>
+    </a:lvl6pPr>
+    <a:lvl7pPr marL="2743200" algn="l" defTabSz="914400" rtl="0" eaLnBrk="1" latinLnBrk="0" hangingPunct="1">
+      <a:defRPr sz="1200" kern="1200">
+        <a:solidFill>
+          <a:schemeClr val="tx1"/>
+        </a:solidFill>
+        <a:latin typeface="+mn-lt"/>
+        <a:ea typeface="+mn-ea"/>
+        <a:cs typeface="+mn-cs"/>
+      </a:defRPr>
+    </a:lvl7pPr>
+    <a:lvl8pPr marL="3200400" algn="l" defTabSz="914400" rtl="0" eaLnBrk="1" latinLnBrk="0" hangingPunct="1">
+      <a:defRPr sz="1200" kern="1200">
+        <a:solidFill>
+          <a:schemeClr val="tx1"/>
+        </a:solidFill>
+        <a:latin typeface="+mn-lt"/>
+        <a:ea typeface="+mn-ea"/>
+        <a:cs typeface="+mn-cs"/>
+      </a:defRPr>
+    </a:lvl8pPr>
+    <a:lvl9pPr marL="3657600" algn="l" defTabSz="914400" rtl="0" eaLnBrk="1" latinLnBrk="0" hangingPunct="1">
+      <a:defRPr sz="1200" kern="1200">
+        <a:solidFill>
+          <a:schemeClr val="tx1"/>
+        </a:solidFill>
+        <a:latin typeface="+mn-lt"/>
+        <a:ea typeface="+mn-ea"/>
+        <a:cs typeface="+mn-cs"/>
+      </a:defRPr>
+    </a:lvl9pPr>
+  </p:notesStyle>
+</p:notesMaster>
+</file>
+
+<file path=ppt/notesSlides/notesSlide1.xml><?xml version="1.0" encoding="utf-8"?>
+<p:notes xmlns:a="http://schemas.openxmlformats.org/drawingml/2006/main" xmlns:r="http://schemas.openxmlformats.org/officeDocument/2006/relationships" xmlns:p="http://schemas.openxmlformats.org/presentationml/2006/main">
+  <p:cSld>
+    <p:spTree>
+      <p:nvGrpSpPr>
+        <p:cNvPr id="1" name=""/>
+        <p:cNvGrpSpPr/>
+        <p:nvPr/>
+      </p:nvGrpSpPr>
+      <p:grpSpPr>
+        <a:xfrm>
+          <a:off x="0" y="0"/>
+          <a:ext cx="0" cy="0"/>
+          <a:chOff x="0" y="0"/>
+          <a:chExt cx="0" cy="0"/>
+        </a:xfrm>
+      </p:grpSpPr>
+      <p:sp>
+        <p:nvSpPr>
+          <p:cNvPr id="2" name="Slide Image Placeholder 1"/>
+          <p:cNvSpPr>
+            <a:spLocks noGrp="1" noRot="1" noChangeAspect="1"/>
+          </p:cNvSpPr>
+          <p:nvPr>
+            <p:ph type="sldImg"/>
+          </p:nvPr>
+        </p:nvSpPr>
+        <p:spPr/>
+      </p:sp>
+      <p:sp>
+        <p:nvSpPr>
+          <p:cNvPr id="3" name="Notes Placeholder 2"/>
+          <p:cNvSpPr>
+            <a:spLocks noGrp="1"/>
+          </p:cNvSpPr>
+          <p:nvPr>
+            <p:ph type="body" idx="1"/>
+          </p:nvPr>
+        </p:nvSpPr>
+        <p:spPr/>
+        <p:txBody>
+          <a:bodyPr/>
+          <a:lstStyle/>
+          <a:p>
+            <a:endParaRPr lang="en-US" dirty="0"/>
+          </a:p>
+        </p:txBody>
+      </p:sp>
+      <p:sp>
+        <p:nvSpPr>
+          <p:cNvPr id="4" name="Slide Number Placeholder 3"/>
+          <p:cNvSpPr>
+            <a:spLocks noGrp="1"/>
+          </p:cNvSpPr>
+          <p:nvPr>
+            <p:ph type="sldNum" sz="quarter" idx="10"/>
+          </p:nvPr>
+        </p:nvSpPr>
+        <p:spPr/>
+        <p:txBody>
+          <a:bodyPr/>
+          <a:lstStyle/>
+          <a:p>
+            <a:fld id="{FF72B3DE-5A7E-4EAC-A59E-BF0BAFDED90D}" type="slidenum">
+              <a:rPr lang="en-US" smtClean="0"/>
+              <a:t>2</a:t>
+            </a:fld>
+            <a:endParaRPr lang="en-US"/>
+          </a:p>
+        </p:txBody>
+      </p:sp>
+    </p:spTree>
+    <p:extLst>
+      <p:ext uri="{BB962C8B-B14F-4D97-AF65-F5344CB8AC3E}">
+        <p14:creationId xmlns:p14="http://schemas.microsoft.com/office/powerpoint/2010/main" val="2291726289"/>
+      </p:ext>
+    </p:extLst>
+  </p:cSld>
+  <p:clrMapOvr>
+    <a:masterClrMapping/>
+  </p:clrMapOvr>
+</p:notes>
 </file>
 
 <file path=ppt/slideLayouts/slideLayout1.xml><?xml version="1.0" encoding="utf-8"?>
@@ -310,7 +777,7 @@
             <a:fld id="{B61BEF0D-F0BB-DE4B-95CE-6DB70DBA9567}" type="datetimeFigureOut">
               <a:rPr lang="en-US" dirty="0"/>
               <a:pPr/>
-              <a:t>12/11/2016</a:t>
+              <a:t>12/15/2016</a:t>
             </a:fld>
             <a:endParaRPr lang="en-US" dirty="0"/>
           </a:p>
@@ -645,7 +1112,7 @@
             <a:fld id="{B61BEF0D-F0BB-DE4B-95CE-6DB70DBA9567}" type="datetimeFigureOut">
               <a:rPr lang="en-US" dirty="0"/>
               <a:pPr/>
-              <a:t>12/11/2016</a:t>
+              <a:t>12/15/2016</a:t>
             </a:fld>
             <a:endParaRPr lang="en-US" dirty="0"/>
           </a:p>
@@ -1043,7 +1510,7 @@
             <a:fld id="{B61BEF0D-F0BB-DE4B-95CE-6DB70DBA9567}" type="datetimeFigureOut">
               <a:rPr lang="en-US" dirty="0"/>
               <a:pPr/>
-              <a:t>12/11/2016</a:t>
+              <a:t>12/15/2016</a:t>
             </a:fld>
             <a:endParaRPr lang="en-US" dirty="0"/>
           </a:p>
@@ -1376,7 +1843,7 @@
             <a:fld id="{B61BEF0D-F0BB-DE4B-95CE-6DB70DBA9567}" type="datetimeFigureOut">
               <a:rPr lang="en-US" dirty="0"/>
               <a:pPr/>
-              <a:t>12/11/2016</a:t>
+              <a:t>12/15/2016</a:t>
             </a:fld>
             <a:endParaRPr lang="en-US" dirty="0"/>
           </a:p>
@@ -1693,7 +2160,7 @@
             <a:fld id="{B61BEF0D-F0BB-DE4B-95CE-6DB70DBA9567}" type="datetimeFigureOut">
               <a:rPr lang="en-US" dirty="0"/>
               <a:pPr/>
-              <a:t>12/11/2016</a:t>
+              <a:t>12/15/2016</a:t>
             </a:fld>
             <a:endParaRPr lang="en-US" dirty="0"/>
           </a:p>
@@ -2086,7 +2553,7 @@
             <a:fld id="{B61BEF0D-F0BB-DE4B-95CE-6DB70DBA9567}" type="datetimeFigureOut">
               <a:rPr lang="en-US" dirty="0"/>
               <a:pPr/>
-              <a:t>12/11/2016</a:t>
+              <a:t>12/15/2016</a:t>
             </a:fld>
             <a:endParaRPr lang="en-US" dirty="0"/>
           </a:p>
@@ -2340,7 +2807,7 @@
             <a:fld id="{B61BEF0D-F0BB-DE4B-95CE-6DB70DBA9567}" type="datetimeFigureOut">
               <a:rPr lang="en-US" dirty="0"/>
               <a:pPr/>
-              <a:t>12/11/2016</a:t>
+              <a:t>12/15/2016</a:t>
             </a:fld>
             <a:endParaRPr lang="en-US" dirty="0"/>
           </a:p>
@@ -2599,7 +3066,7 @@
             <a:fld id="{B61BEF0D-F0BB-DE4B-95CE-6DB70DBA9567}" type="datetimeFigureOut">
               <a:rPr lang="en-US" dirty="0"/>
               <a:pPr/>
-              <a:t>12/11/2016</a:t>
+              <a:t>12/15/2016</a:t>
             </a:fld>
             <a:endParaRPr lang="en-US" dirty="0"/>
           </a:p>
@@ -2858,7 +3325,7 @@
             <a:fld id="{B61BEF0D-F0BB-DE4B-95CE-6DB70DBA9567}" type="datetimeFigureOut">
               <a:rPr lang="en-US" dirty="0"/>
               <a:pPr/>
-              <a:t>12/11/2016</a:t>
+              <a:t>12/15/2016</a:t>
             </a:fld>
             <a:endParaRPr lang="en-US" dirty="0"/>
           </a:p>
@@ -3184,7 +3651,7 @@
             <a:fld id="{B61BEF0D-F0BB-DE4B-95CE-6DB70DBA9567}" type="datetimeFigureOut">
               <a:rPr lang="en-US" dirty="0"/>
               <a:pPr/>
-              <a:t>12/11/2016</a:t>
+              <a:t>12/15/2016</a:t>
             </a:fld>
             <a:endParaRPr lang="en-US" dirty="0"/>
           </a:p>
@@ -3504,7 +3971,7 @@
             <a:fld id="{B61BEF0D-F0BB-DE4B-95CE-6DB70DBA9567}" type="datetimeFigureOut">
               <a:rPr lang="en-US" dirty="0"/>
               <a:pPr/>
-              <a:t>12/11/2016</a:t>
+              <a:t>12/15/2016</a:t>
             </a:fld>
             <a:endParaRPr lang="en-US" dirty="0"/>
           </a:p>
@@ -3958,7 +4425,7 @@
             <a:fld id="{B61BEF0D-F0BB-DE4B-95CE-6DB70DBA9567}" type="datetimeFigureOut">
               <a:rPr lang="en-US" dirty="0"/>
               <a:pPr/>
-              <a:t>12/11/2016</a:t>
+              <a:t>12/15/2016</a:t>
             </a:fld>
             <a:endParaRPr lang="en-US" dirty="0"/>
           </a:p>
@@ -4160,7 +4627,7 @@
             <a:fld id="{B61BEF0D-F0BB-DE4B-95CE-6DB70DBA9567}" type="datetimeFigureOut">
               <a:rPr lang="en-US" dirty="0"/>
               <a:pPr/>
-              <a:t>12/11/2016</a:t>
+              <a:t>12/15/2016</a:t>
             </a:fld>
             <a:endParaRPr lang="en-US" dirty="0"/>
           </a:p>
@@ -4334,7 +4801,7 @@
             <a:fld id="{B61BEF0D-F0BB-DE4B-95CE-6DB70DBA9567}" type="datetimeFigureOut">
               <a:rPr lang="en-US" dirty="0"/>
               <a:pPr/>
-              <a:t>12/11/2016</a:t>
+              <a:t>12/15/2016</a:t>
             </a:fld>
             <a:endParaRPr lang="en-US" dirty="0"/>
           </a:p>
@@ -4664,7 +5131,7 @@
             <a:fld id="{B61BEF0D-F0BB-DE4B-95CE-6DB70DBA9567}" type="datetimeFigureOut">
               <a:rPr lang="en-US" dirty="0"/>
               <a:pPr/>
-              <a:t>12/11/2016</a:t>
+              <a:t>12/15/2016</a:t>
             </a:fld>
             <a:endParaRPr lang="en-US" dirty="0"/>
           </a:p>
@@ -5006,7 +5473,7 @@
             <a:fld id="{B61BEF0D-F0BB-DE4B-95CE-6DB70DBA9567}" type="datetimeFigureOut">
               <a:rPr lang="en-US" dirty="0"/>
               <a:pPr/>
-              <a:t>12/11/2016</a:t>
+              <a:t>12/15/2016</a:t>
             </a:fld>
             <a:endParaRPr lang="en-US" dirty="0"/>
           </a:p>
@@ -7120,7 +7587,7 @@
             <a:fld id="{B61BEF0D-F0BB-DE4B-95CE-6DB70DBA9567}" type="datetimeFigureOut">
               <a:rPr lang="en-US" dirty="0"/>
               <a:pPr/>
-              <a:t>12/11/2016</a:t>
+              <a:t>12/15/2016</a:t>
             </a:fld>
             <a:endParaRPr lang="en-US" dirty="0"/>
           </a:p>
@@ -7753,6 +8220,18 @@
   <p:clrMapOvr>
     <a:masterClrMapping/>
   </p:clrMapOvr>
+  <mc:AlternateContent xmlns:mc="http://schemas.openxmlformats.org/markup-compatibility/2006">
+    <mc:Choice xmlns:p14="http://schemas.microsoft.com/office/powerpoint/2010/main" Requires="p14">
+      <p:transition spd="med" p14:dur="700">
+        <p:fade/>
+      </p:transition>
+    </mc:Choice>
+    <mc:Fallback>
+      <p:transition spd="med">
+        <p:fade/>
+      </p:transition>
+    </mc:Fallback>
+  </mc:AlternateContent>
 </p:sld>
 </file>
 
@@ -7773,19 +8252,361 @@
           <a:chExt cx="0" cy="0"/>
         </a:xfrm>
       </p:grpSpPr>
-      <p:sp>
-        <p:nvSpPr>
-          <p:cNvPr id="3" name="Content Placeholder 2"/>
-          <p:cNvSpPr>
-            <a:spLocks noGrp="1"/>
-          </p:cNvSpPr>
-          <p:nvPr>
-            <p:ph idx="1"/>
-          </p:nvPr>
-        </p:nvSpPr>
+      <p:pic>
+        <p:nvPicPr>
+          <p:cNvPr id="5" name="Picture 4"/>
+          <p:cNvPicPr>
+            <a:picLocks noChangeAspect="1"/>
+          </p:cNvPicPr>
+          <p:nvPr/>
+        </p:nvPicPr>
+        <p:blipFill>
+          <a:blip r:embed="rId2"/>
+          <a:stretch>
+            <a:fillRect/>
+          </a:stretch>
+        </p:blipFill>
         <p:spPr>
           <a:xfrm>
-            <a:off x="2628968" y="503583"/>
+            <a:off x="2725725" y="436880"/>
+            <a:ext cx="8480755" cy="5809091"/>
+          </a:xfrm>
+          <a:prstGeom prst="rect">
+            <a:avLst/>
+          </a:prstGeom>
+        </p:spPr>
+      </p:pic>
+      <p:pic>
+        <p:nvPicPr>
+          <p:cNvPr id="6" name="Picture 5"/>
+          <p:cNvPicPr>
+            <a:picLocks noChangeAspect="1"/>
+          </p:cNvPicPr>
+          <p:nvPr/>
+        </p:nvPicPr>
+        <p:blipFill>
+          <a:blip r:embed="rId3"/>
+          <a:stretch>
+            <a:fillRect/>
+          </a:stretch>
+        </p:blipFill>
+        <p:spPr>
+          <a:xfrm>
+            <a:off x="698805" y="4127611"/>
+            <a:ext cx="2118360" cy="2118360"/>
+          </a:xfrm>
+          <a:prstGeom prst="rect">
+            <a:avLst/>
+          </a:prstGeom>
+        </p:spPr>
+      </p:pic>
+    </p:spTree>
+    <p:extLst>
+      <p:ext uri="{BB962C8B-B14F-4D97-AF65-F5344CB8AC3E}">
+        <p14:creationId xmlns:p14="http://schemas.microsoft.com/office/powerpoint/2010/main" val="771438059"/>
+      </p:ext>
+    </p:extLst>
+  </p:cSld>
+  <p:clrMapOvr>
+    <a:masterClrMapping/>
+  </p:clrMapOvr>
+  <mc:AlternateContent xmlns:mc="http://schemas.openxmlformats.org/markup-compatibility/2006">
+    <mc:Choice xmlns:p14="http://schemas.microsoft.com/office/powerpoint/2010/main" Requires="p14">
+      <p:transition spd="med" p14:dur="700">
+        <p:fade/>
+      </p:transition>
+    </mc:Choice>
+    <mc:Fallback>
+      <p:transition spd="med">
+        <p:fade/>
+      </p:transition>
+    </mc:Fallback>
+  </mc:AlternateContent>
+</p:sld>
+</file>
+
+<file path=ppt/slides/slide11.xml><?xml version="1.0" encoding="utf-8"?>
+<p:sld xmlns:a="http://schemas.openxmlformats.org/drawingml/2006/main" xmlns:r="http://schemas.openxmlformats.org/officeDocument/2006/relationships" xmlns:p="http://schemas.openxmlformats.org/presentationml/2006/main">
+  <p:cSld>
+    <p:spTree>
+      <p:nvGrpSpPr>
+        <p:cNvPr id="1" name=""/>
+        <p:cNvGrpSpPr/>
+        <p:nvPr/>
+      </p:nvGrpSpPr>
+      <p:grpSpPr>
+        <a:xfrm>
+          <a:off x="0" y="0"/>
+          <a:ext cx="0" cy="0"/>
+          <a:chOff x="0" y="0"/>
+          <a:chExt cx="0" cy="0"/>
+        </a:xfrm>
+      </p:grpSpPr>
+      <p:sp>
+        <p:nvSpPr>
+          <p:cNvPr id="2" name="Title 1"/>
+          <p:cNvSpPr>
+            <a:spLocks noGrp="1"/>
+          </p:cNvSpPr>
+          <p:nvPr>
+            <p:ph type="title"/>
+          </p:nvPr>
+        </p:nvSpPr>
+        <p:spPr>
+          <a:xfrm>
+            <a:off x="2592925" y="624110"/>
+            <a:ext cx="8911687" cy="779307"/>
+          </a:xfrm>
+        </p:spPr>
+        <p:txBody>
+          <a:bodyPr>
+            <a:normAutofit/>
+          </a:bodyPr>
+          <a:lstStyle/>
+          <a:p>
+            <a:r>
+              <a:rPr lang="en-US" sz="2800" dirty="0"/>
+              <a:t>Drug Enforcement Administration</a:t>
+            </a:r>
+          </a:p>
+        </p:txBody>
+      </p:sp>
+      <p:sp>
+        <p:nvSpPr>
+          <p:cNvPr id="3" name="Content Placeholder 2"/>
+          <p:cNvSpPr>
+            <a:spLocks noGrp="1"/>
+          </p:cNvSpPr>
+          <p:nvPr>
+            <p:ph idx="1"/>
+          </p:nvPr>
+        </p:nvSpPr>
+        <p:spPr>
+          <a:xfrm>
+            <a:off x="2592925" y="1403417"/>
+            <a:ext cx="6395159" cy="4062102"/>
+          </a:xfrm>
+        </p:spPr>
+        <p:txBody>
+          <a:bodyPr>
+            <a:noAutofit/>
+          </a:bodyPr>
+          <a:lstStyle/>
+          <a:p>
+            <a:pPr algn="just">
+              <a:lnSpc>
+                <a:spcPct val="150000"/>
+              </a:lnSpc>
+            </a:pPr>
+            <a:r>
+              <a:rPr lang="en-US" dirty="0">
+                <a:cs typeface="Segoe UI" panose="020B0502040204020203" pitchFamily="34" charset="0"/>
+              </a:rPr>
+              <a:t>The Drug Enforcement Administration (or simply DEA)  finds the doctors guilty of malpractice, i.e. the doctors who prescribe opioids to patients that are showing signs of addiction and pushing them towards abuse</a:t>
+            </a:r>
+          </a:p>
+          <a:p>
+            <a:pPr algn="just">
+              <a:lnSpc>
+                <a:spcPct val="150000"/>
+              </a:lnSpc>
+            </a:pPr>
+            <a:r>
+              <a:rPr lang="en-US" dirty="0">
+                <a:cs typeface="Segoe UI" panose="020B0502040204020203" pitchFamily="34" charset="0"/>
+              </a:rPr>
+              <a:t>The DEA also looks for pharmacies that sell opioids to individuals without prescriptions, thus enabling their addiction</a:t>
+            </a:r>
+          </a:p>
+          <a:p>
+            <a:pPr algn="just">
+              <a:lnSpc>
+                <a:spcPct val="150000"/>
+              </a:lnSpc>
+            </a:pPr>
+            <a:r>
+              <a:rPr lang="en-US" dirty="0">
+                <a:cs typeface="Segoe UI" panose="020B0502040204020203" pitchFamily="34" charset="0"/>
+              </a:rPr>
+              <a:t>It also looks for pharmacies that are most frequented by patients, to see if a particular pharmacy might be dealing opioids under the table</a:t>
+            </a:r>
+          </a:p>
+        </p:txBody>
+      </p:sp>
+      <p:pic>
+        <p:nvPicPr>
+          <p:cNvPr id="5" name="Picture 4"/>
+          <p:cNvPicPr>
+            <a:picLocks noChangeAspect="1"/>
+          </p:cNvPicPr>
+          <p:nvPr/>
+        </p:nvPicPr>
+        <p:blipFill>
+          <a:blip r:embed="rId2"/>
+          <a:stretch>
+            <a:fillRect/>
+          </a:stretch>
+        </p:blipFill>
+        <p:spPr>
+          <a:xfrm>
+            <a:off x="9136771" y="1905000"/>
+            <a:ext cx="2635494" cy="3632708"/>
+          </a:xfrm>
+          <a:prstGeom prst="rect">
+            <a:avLst/>
+          </a:prstGeom>
+        </p:spPr>
+      </p:pic>
+    </p:spTree>
+    <p:extLst>
+      <p:ext uri="{BB962C8B-B14F-4D97-AF65-F5344CB8AC3E}">
+        <p14:creationId xmlns:p14="http://schemas.microsoft.com/office/powerpoint/2010/main" val="4233539567"/>
+      </p:ext>
+    </p:extLst>
+  </p:cSld>
+  <p:clrMapOvr>
+    <a:masterClrMapping/>
+  </p:clrMapOvr>
+  <mc:AlternateContent xmlns:mc="http://schemas.openxmlformats.org/markup-compatibility/2006">
+    <mc:Choice xmlns:p14="http://schemas.microsoft.com/office/powerpoint/2010/main" Requires="p14">
+      <p:transition spd="med" p14:dur="700">
+        <p:fade/>
+      </p:transition>
+    </mc:Choice>
+    <mc:Fallback>
+      <p:transition spd="med">
+        <p:fade/>
+      </p:transition>
+    </mc:Fallback>
+  </mc:AlternateContent>
+</p:sld>
+</file>
+
+<file path=ppt/slides/slide12.xml><?xml version="1.0" encoding="utf-8"?>
+<p:sld xmlns:a="http://schemas.openxmlformats.org/drawingml/2006/main" xmlns:r="http://schemas.openxmlformats.org/officeDocument/2006/relationships" xmlns:p="http://schemas.openxmlformats.org/presentationml/2006/main">
+  <p:cSld>
+    <p:spTree>
+      <p:nvGrpSpPr>
+        <p:cNvPr id="1" name=""/>
+        <p:cNvGrpSpPr/>
+        <p:nvPr/>
+      </p:nvGrpSpPr>
+      <p:grpSpPr>
+        <a:xfrm>
+          <a:off x="0" y="0"/>
+          <a:ext cx="0" cy="0"/>
+          <a:chOff x="0" y="0"/>
+          <a:chExt cx="0" cy="0"/>
+        </a:xfrm>
+      </p:grpSpPr>
+      <p:pic>
+        <p:nvPicPr>
+          <p:cNvPr id="4" name="Picture 3"/>
+          <p:cNvPicPr>
+            <a:picLocks noChangeAspect="1"/>
+          </p:cNvPicPr>
+          <p:nvPr/>
+        </p:nvPicPr>
+        <p:blipFill>
+          <a:blip r:embed="rId2"/>
+          <a:stretch>
+            <a:fillRect/>
+          </a:stretch>
+        </p:blipFill>
+        <p:spPr>
+          <a:xfrm>
+            <a:off x="2720156" y="1356234"/>
+            <a:ext cx="7998644" cy="4877051"/>
+          </a:xfrm>
+          <a:prstGeom prst="rect">
+            <a:avLst/>
+          </a:prstGeom>
+        </p:spPr>
+      </p:pic>
+      <p:sp>
+        <p:nvSpPr>
+          <p:cNvPr id="5" name="Title 1"/>
+          <p:cNvSpPr>
+            <a:spLocks noGrp="1"/>
+          </p:cNvSpPr>
+          <p:nvPr>
+            <p:ph type="title"/>
+          </p:nvPr>
+        </p:nvSpPr>
+        <p:spPr>
+          <a:xfrm>
+            <a:off x="2592925" y="624110"/>
+            <a:ext cx="8911687" cy="779307"/>
+          </a:xfrm>
+        </p:spPr>
+        <p:txBody>
+          <a:bodyPr>
+            <a:normAutofit/>
+          </a:bodyPr>
+          <a:lstStyle/>
+          <a:p>
+            <a:r>
+              <a:rPr lang="en-US" sz="2800" dirty="0"/>
+              <a:t>DEA Reports</a:t>
+            </a:r>
+          </a:p>
+        </p:txBody>
+      </p:sp>
+    </p:spTree>
+    <p:extLst>
+      <p:ext uri="{BB962C8B-B14F-4D97-AF65-F5344CB8AC3E}">
+        <p14:creationId xmlns:p14="http://schemas.microsoft.com/office/powerpoint/2010/main" val="3645190410"/>
+      </p:ext>
+    </p:extLst>
+  </p:cSld>
+  <p:clrMapOvr>
+    <a:masterClrMapping/>
+  </p:clrMapOvr>
+  <mc:AlternateContent xmlns:mc="http://schemas.openxmlformats.org/markup-compatibility/2006">
+    <mc:Choice xmlns:p14="http://schemas.microsoft.com/office/powerpoint/2010/main" Requires="p14">
+      <p:transition spd="med" p14:dur="700">
+        <p:fade/>
+      </p:transition>
+    </mc:Choice>
+    <mc:Fallback>
+      <p:transition spd="med">
+        <p:fade/>
+      </p:transition>
+    </mc:Fallback>
+  </mc:AlternateContent>
+</p:sld>
+</file>
+
+<file path=ppt/slides/slide13.xml><?xml version="1.0" encoding="utf-8"?>
+<p:sld xmlns:a="http://schemas.openxmlformats.org/drawingml/2006/main" xmlns:r="http://schemas.openxmlformats.org/officeDocument/2006/relationships" xmlns:p="http://schemas.openxmlformats.org/presentationml/2006/main">
+  <p:cSld>
+    <p:spTree>
+      <p:nvGrpSpPr>
+        <p:cNvPr id="1" name=""/>
+        <p:cNvGrpSpPr/>
+        <p:nvPr/>
+      </p:nvGrpSpPr>
+      <p:grpSpPr>
+        <a:xfrm>
+          <a:off x="0" y="0"/>
+          <a:ext cx="0" cy="0"/>
+          <a:chOff x="0" y="0"/>
+          <a:chExt cx="0" cy="0"/>
+        </a:xfrm>
+      </p:grpSpPr>
+      <p:sp>
+        <p:nvSpPr>
+          <p:cNvPr id="3" name="Content Placeholder 2"/>
+          <p:cNvSpPr>
+            <a:spLocks noGrp="1"/>
+          </p:cNvSpPr>
+          <p:nvPr>
+            <p:ph idx="1"/>
+          </p:nvPr>
+        </p:nvSpPr>
+        <p:spPr>
+          <a:xfrm>
+            <a:off x="2628968" y="595023"/>
             <a:ext cx="8915400" cy="5976730"/>
           </a:xfrm>
         </p:spPr>
@@ -7793,27 +8614,39 @@
           <a:bodyPr/>
           <a:lstStyle/>
           <a:p>
+            <a:pPr marL="0" indent="0">
+              <a:buNone/>
+            </a:pPr>
             <a:r>
               <a:rPr lang="en-IN" sz="2800" dirty="0">
-                <a:latin typeface="Segoe UI" panose="020B0502040204020203" pitchFamily="34" charset="0"/>
+                <a:solidFill>
+                  <a:schemeClr val="accent3">
+                    <a:lumMod val="60000"/>
+                    <a:lumOff val="40000"/>
+                  </a:schemeClr>
+                </a:solidFill>
                 <a:cs typeface="Segoe UI" panose="020B0502040204020203" pitchFamily="34" charset="0"/>
               </a:rPr>
               <a:t>Our Approach</a:t>
             </a:r>
           </a:p>
           <a:p>
+            <a:pPr algn="just"/>
             <a:endParaRPr lang="en-IN" dirty="0"/>
           </a:p>
           <a:p>
+            <a:pPr algn="just"/>
             <a:r>
               <a:rPr lang="en-US" dirty="0"/>
-              <a:t>An ecosystem approach could be the best hope in the battle against opioid addiction. From engaging new partners and aligning action across the ecosystem, to using a portfolio of interventions, driving innovation, and using markets to support sustainable solutions, the ecosystem is likely to generate a powerful response.</a:t>
-            </a:r>
-          </a:p>
-          <a:p>
+              <a:t>An ecosystem approach could be the best hope in the battle against opioid addiction. From engaging new partners and aligning action across the ecosystem, to using data analysis, driving innovation, and using markets to support sustainable solutions, the ecosystem is likely to generate a powerful response.</a:t>
+            </a:r>
+          </a:p>
+          <a:p>
+            <a:pPr algn="just"/>
             <a:endParaRPr lang="en-US" dirty="0"/>
           </a:p>
           <a:p>
+            <a:pPr algn="just"/>
             <a:r>
               <a:rPr lang="en-US" dirty="0"/>
               <a:t>This collaborative approach inspires all stakeholders to act as a single, integrated community and point the way toward powerful new solutions.</a:t>
@@ -7825,6 +8658,78 @@
           </a:p>
         </p:txBody>
       </p:sp>
+      <p:pic>
+        <p:nvPicPr>
+          <p:cNvPr id="4" name="Picture 3"/>
+          <p:cNvPicPr>
+            <a:picLocks noChangeAspect="1"/>
+          </p:cNvPicPr>
+          <p:nvPr/>
+        </p:nvPicPr>
+        <p:blipFill>
+          <a:blip r:embed="rId2"/>
+          <a:stretch>
+            <a:fillRect/>
+          </a:stretch>
+        </p:blipFill>
+        <p:spPr>
+          <a:xfrm>
+            <a:off x="5865881" y="4407274"/>
+            <a:ext cx="2105592" cy="2105592"/>
+          </a:xfrm>
+          <a:prstGeom prst="rect">
+            <a:avLst/>
+          </a:prstGeom>
+        </p:spPr>
+      </p:pic>
+      <p:pic>
+        <p:nvPicPr>
+          <p:cNvPr id="5" name="Picture 4"/>
+          <p:cNvPicPr>
+            <a:picLocks noChangeAspect="1"/>
+          </p:cNvPicPr>
+          <p:nvPr/>
+        </p:nvPicPr>
+        <p:blipFill>
+          <a:blip r:embed="rId3"/>
+          <a:stretch>
+            <a:fillRect/>
+          </a:stretch>
+        </p:blipFill>
+        <p:spPr>
+          <a:xfrm>
+            <a:off x="8315393" y="4910137"/>
+            <a:ext cx="3228975" cy="1304925"/>
+          </a:xfrm>
+          <a:prstGeom prst="rect">
+            <a:avLst/>
+          </a:prstGeom>
+        </p:spPr>
+      </p:pic>
+      <p:pic>
+        <p:nvPicPr>
+          <p:cNvPr id="6" name="Picture 5"/>
+          <p:cNvPicPr>
+            <a:picLocks noChangeAspect="1"/>
+          </p:cNvPicPr>
+          <p:nvPr/>
+        </p:nvPicPr>
+        <p:blipFill>
+          <a:blip r:embed="rId4"/>
+          <a:stretch>
+            <a:fillRect/>
+          </a:stretch>
+        </p:blipFill>
+        <p:spPr>
+          <a:xfrm>
+            <a:off x="3159511" y="4407274"/>
+            <a:ext cx="2083050" cy="2083050"/>
+          </a:xfrm>
+          <a:prstGeom prst="rect">
+            <a:avLst/>
+          </a:prstGeom>
+        </p:spPr>
+      </p:pic>
     </p:spTree>
     <p:extLst>
       <p:ext uri="{BB962C8B-B14F-4D97-AF65-F5344CB8AC3E}">
@@ -7835,6 +8740,310 @@
   <p:clrMapOvr>
     <a:masterClrMapping/>
   </p:clrMapOvr>
+  <mc:AlternateContent xmlns:mc="http://schemas.openxmlformats.org/markup-compatibility/2006">
+    <mc:Choice xmlns:p14="http://schemas.microsoft.com/office/powerpoint/2010/main" Requires="p14">
+      <p:transition spd="med" p14:dur="700">
+        <p:fade/>
+      </p:transition>
+    </mc:Choice>
+    <mc:Fallback>
+      <p:transition spd="med">
+        <p:fade/>
+      </p:transition>
+    </mc:Fallback>
+  </mc:AlternateContent>
+</p:sld>
+</file>
+
+<file path=ppt/slides/slide14.xml><?xml version="1.0" encoding="utf-8"?>
+<p:sld xmlns:a="http://schemas.openxmlformats.org/drawingml/2006/main" xmlns:r="http://schemas.openxmlformats.org/officeDocument/2006/relationships" xmlns:p="http://schemas.openxmlformats.org/presentationml/2006/main">
+  <p:cSld>
+    <p:spTree>
+      <p:nvGrpSpPr>
+        <p:cNvPr id="1" name=""/>
+        <p:cNvGrpSpPr/>
+        <p:nvPr/>
+      </p:nvGrpSpPr>
+      <p:grpSpPr>
+        <a:xfrm>
+          <a:off x="0" y="0"/>
+          <a:ext cx="0" cy="0"/>
+          <a:chOff x="0" y="0"/>
+          <a:chExt cx="0" cy="0"/>
+        </a:xfrm>
+      </p:grpSpPr>
+      <p:pic>
+        <p:nvPicPr>
+          <p:cNvPr id="5" name="Picture 4"/>
+          <p:cNvPicPr>
+            <a:picLocks noChangeAspect="1"/>
+          </p:cNvPicPr>
+          <p:nvPr/>
+        </p:nvPicPr>
+        <p:blipFill>
+          <a:blip r:embed="rId2"/>
+          <a:stretch>
+            <a:fillRect/>
+          </a:stretch>
+        </p:blipFill>
+        <p:spPr>
+          <a:xfrm>
+            <a:off x="152400" y="5782"/>
+            <a:ext cx="12039600" cy="6852218"/>
+          </a:xfrm>
+          <a:prstGeom prst="rect">
+            <a:avLst/>
+          </a:prstGeom>
+        </p:spPr>
+      </p:pic>
+    </p:spTree>
+    <p:extLst>
+      <p:ext uri="{BB962C8B-B14F-4D97-AF65-F5344CB8AC3E}">
+        <p14:creationId xmlns:p14="http://schemas.microsoft.com/office/powerpoint/2010/main" val="2936359499"/>
+      </p:ext>
+    </p:extLst>
+  </p:cSld>
+  <p:clrMapOvr>
+    <a:masterClrMapping/>
+  </p:clrMapOvr>
+</p:sld>
+</file>
+
+<file path=ppt/slides/slide15.xml><?xml version="1.0" encoding="utf-8"?>
+<p:sld xmlns:a="http://schemas.openxmlformats.org/drawingml/2006/main" xmlns:r="http://schemas.openxmlformats.org/officeDocument/2006/relationships" xmlns:p="http://schemas.openxmlformats.org/presentationml/2006/main">
+  <p:cSld>
+    <p:spTree>
+      <p:nvGrpSpPr>
+        <p:cNvPr id="1" name=""/>
+        <p:cNvGrpSpPr/>
+        <p:nvPr/>
+      </p:nvGrpSpPr>
+      <p:grpSpPr>
+        <a:xfrm>
+          <a:off x="0" y="0"/>
+          <a:ext cx="0" cy="0"/>
+          <a:chOff x="0" y="0"/>
+          <a:chExt cx="0" cy="0"/>
+        </a:xfrm>
+      </p:grpSpPr>
+      <p:sp>
+        <p:nvSpPr>
+          <p:cNvPr id="3" name="Content Placeholder 2"/>
+          <p:cNvSpPr>
+            <a:spLocks noGrp="1"/>
+          </p:cNvSpPr>
+          <p:nvPr>
+            <p:ph idx="1"/>
+          </p:nvPr>
+        </p:nvSpPr>
+        <p:spPr>
+          <a:xfrm>
+            <a:off x="2589212" y="548640"/>
+            <a:ext cx="8915400" cy="5362582"/>
+          </a:xfrm>
+        </p:spPr>
+        <p:txBody>
+          <a:bodyPr>
+            <a:normAutofit/>
+          </a:bodyPr>
+          <a:lstStyle/>
+          <a:p>
+            <a:pPr marL="0" indent="0">
+              <a:buNone/>
+            </a:pPr>
+            <a:r>
+              <a:rPr lang="en-US" sz="2800" dirty="0">
+                <a:solidFill>
+                  <a:schemeClr val="accent3">
+                    <a:lumMod val="60000"/>
+                    <a:lumOff val="40000"/>
+                  </a:schemeClr>
+                </a:solidFill>
+              </a:rPr>
+              <a:t>Reports</a:t>
+            </a:r>
+          </a:p>
+          <a:p>
+            <a:pPr>
+              <a:lnSpc>
+                <a:spcPct val="150000"/>
+              </a:lnSpc>
+            </a:pPr>
+            <a:r>
+              <a:rPr lang="en-US" dirty="0"/>
+              <a:t>Opioids prescribed per Diagnosis symptom for addicts</a:t>
+            </a:r>
+          </a:p>
+          <a:p>
+            <a:pPr>
+              <a:lnSpc>
+                <a:spcPct val="150000"/>
+              </a:lnSpc>
+            </a:pPr>
+            <a:r>
+              <a:rPr lang="en-US" dirty="0"/>
+              <a:t>Common abuse symptoms breakdown in addicts</a:t>
+            </a:r>
+          </a:p>
+          <a:p>
+            <a:pPr>
+              <a:lnSpc>
+                <a:spcPct val="150000"/>
+              </a:lnSpc>
+            </a:pPr>
+            <a:r>
+              <a:rPr lang="en-US" dirty="0"/>
+              <a:t>Abuse symptoms of patients which are most prescribed with opioids</a:t>
+            </a:r>
+          </a:p>
+          <a:p>
+            <a:pPr>
+              <a:lnSpc>
+                <a:spcPct val="150000"/>
+              </a:lnSpc>
+            </a:pPr>
+            <a:r>
+              <a:rPr lang="en-US" dirty="0"/>
+              <a:t>Patients score status with highest abuse symptoms for Low, medium, high scores</a:t>
+            </a:r>
+          </a:p>
+          <a:p>
+            <a:pPr>
+              <a:lnSpc>
+                <a:spcPct val="150000"/>
+              </a:lnSpc>
+            </a:pPr>
+            <a:r>
+              <a:rPr lang="en-US" dirty="0"/>
+              <a:t>Pharmacies with discrepancy in opioid stock</a:t>
+            </a:r>
+          </a:p>
+          <a:p>
+            <a:pPr>
+              <a:lnSpc>
+                <a:spcPct val="150000"/>
+              </a:lnSpc>
+            </a:pPr>
+            <a:r>
+              <a:rPr lang="en-US" dirty="0"/>
+              <a:t>Doctors prescribing opioids even if the patient shows a pattern of abuse</a:t>
+            </a:r>
+          </a:p>
+          <a:p>
+            <a:pPr>
+              <a:lnSpc>
+                <a:spcPct val="150000"/>
+              </a:lnSpc>
+            </a:pPr>
+            <a:r>
+              <a:rPr lang="en-US" dirty="0"/>
+              <a:t>Pharmacies which are popular amongst the addicts</a:t>
+            </a:r>
+          </a:p>
+          <a:p>
+            <a:pPr>
+              <a:lnSpc>
+                <a:spcPct val="150000"/>
+              </a:lnSpc>
+            </a:pPr>
+            <a:r>
+              <a:rPr lang="en-US" dirty="0"/>
+              <a:t>Abuse symptom breakdown for a hospital</a:t>
+            </a:r>
+          </a:p>
+        </p:txBody>
+      </p:sp>
+    </p:spTree>
+    <p:extLst>
+      <p:ext uri="{BB962C8B-B14F-4D97-AF65-F5344CB8AC3E}">
+        <p14:creationId xmlns:p14="http://schemas.microsoft.com/office/powerpoint/2010/main" val="3295441028"/>
+      </p:ext>
+    </p:extLst>
+  </p:cSld>
+  <p:clrMapOvr>
+    <a:masterClrMapping/>
+  </p:clrMapOvr>
+</p:sld>
+</file>
+
+<file path=ppt/slides/slide16.xml><?xml version="1.0" encoding="utf-8"?>
+<p:sld xmlns:a="http://schemas.openxmlformats.org/drawingml/2006/main" xmlns:r="http://schemas.openxmlformats.org/officeDocument/2006/relationships" xmlns:p="http://schemas.openxmlformats.org/presentationml/2006/main">
+  <p:cSld>
+    <p:spTree>
+      <p:nvGrpSpPr>
+        <p:cNvPr id="1" name=""/>
+        <p:cNvGrpSpPr/>
+        <p:nvPr/>
+      </p:nvGrpSpPr>
+      <p:grpSpPr>
+        <a:xfrm>
+          <a:off x="0" y="0"/>
+          <a:ext cx="0" cy="0"/>
+          <a:chOff x="0" y="0"/>
+          <a:chExt cx="0" cy="0"/>
+        </a:xfrm>
+      </p:grpSpPr>
+      <p:sp>
+        <p:nvSpPr>
+          <p:cNvPr id="3" name="Content Placeholder 2"/>
+          <p:cNvSpPr>
+            <a:spLocks noGrp="1"/>
+          </p:cNvSpPr>
+          <p:nvPr>
+            <p:ph idx="1"/>
+          </p:nvPr>
+        </p:nvSpPr>
+        <p:spPr>
+          <a:xfrm>
+            <a:off x="4753292" y="2905760"/>
+            <a:ext cx="2907348" cy="883920"/>
+          </a:xfrm>
+        </p:spPr>
+        <p:txBody>
+          <a:bodyPr>
+            <a:normAutofit/>
+          </a:bodyPr>
+          <a:lstStyle/>
+          <a:p>
+            <a:pPr marL="0" indent="0">
+              <a:buNone/>
+            </a:pPr>
+            <a:r>
+              <a:rPr lang="en-US" sz="4000" dirty="0">
+                <a:solidFill>
+                  <a:schemeClr val="accent3">
+                    <a:lumMod val="60000"/>
+                    <a:lumOff val="40000"/>
+                  </a:schemeClr>
+                </a:solidFill>
+              </a:rPr>
+              <a:t>Thank you!</a:t>
+            </a:r>
+          </a:p>
+        </p:txBody>
+      </p:sp>
+    </p:spTree>
+    <p:extLst>
+      <p:ext uri="{BB962C8B-B14F-4D97-AF65-F5344CB8AC3E}">
+        <p14:creationId xmlns:p14="http://schemas.microsoft.com/office/powerpoint/2010/main" val="1563478829"/>
+      </p:ext>
+    </p:extLst>
+  </p:cSld>
+  <p:clrMapOvr>
+    <a:masterClrMapping/>
+  </p:clrMapOvr>
+  <mc:AlternateContent xmlns:mc="http://schemas.openxmlformats.org/markup-compatibility/2006">
+    <mc:Choice xmlns:p14="http://schemas.microsoft.com/office/powerpoint/2010/main" Requires="p14">
+      <p:transition spd="med" p14:dur="700">
+        <p:fade/>
+      </p:transition>
+    </mc:Choice>
+    <mc:Fallback>
+      <p:transition spd="med">
+        <p:fade/>
+      </p:transition>
+    </mc:Fallback>
+  </mc:AlternateContent>
 </p:sld>
 </file>
 
@@ -7867,17 +9076,28 @@
         </p:nvSpPr>
         <p:spPr>
           <a:xfrm>
-            <a:off x="2218151" y="503583"/>
-            <a:ext cx="8915400" cy="6241774"/>
+            <a:off x="2218151" y="676303"/>
+            <a:ext cx="5345527" cy="4789777"/>
           </a:xfrm>
         </p:spPr>
         <p:txBody>
-          <a:bodyPr/>
+          <a:bodyPr>
+            <a:normAutofit fontScale="92500" lnSpcReduction="20000"/>
+          </a:bodyPr>
           <a:lstStyle/>
           <a:p>
-            <a:r>
-              <a:rPr lang="en-IN" sz="2800" dirty="0">
-                <a:latin typeface="Segoe UI" panose="020B0502040204020203" pitchFamily="34" charset="0"/>
+            <a:pPr marL="0" indent="0">
+              <a:buNone/>
+            </a:pPr>
+            <a:r>
+              <a:rPr lang="en-IN" sz="3000" dirty="0">
+                <a:solidFill>
+                  <a:schemeClr val="accent3">
+                    <a:lumMod val="60000"/>
+                    <a:lumOff val="40000"/>
+                  </a:schemeClr>
+                </a:solidFill>
+                <a:latin typeface="+mj-lt"/>
                 <a:cs typeface="Segoe UI" panose="020B0502040204020203" pitchFamily="34" charset="0"/>
               </a:rPr>
               <a:t>Problem Statement</a:t>
@@ -7885,63 +9105,335 @@
           </a:p>
           <a:p>
             <a:endParaRPr lang="en-IN" dirty="0">
-              <a:latin typeface="Segoe UI" panose="020B0502040204020203" pitchFamily="34" charset="0"/>
+              <a:latin typeface="+mj-lt"/>
               <a:cs typeface="Segoe UI" panose="020B0502040204020203" pitchFamily="34" charset="0"/>
             </a:endParaRPr>
           </a:p>
           <a:p>
+            <a:pPr algn="just">
+              <a:lnSpc>
+                <a:spcPct val="150000"/>
+              </a:lnSpc>
+            </a:pPr>
             <a:r>
               <a:rPr lang="en-US" dirty="0">
-                <a:latin typeface="Segoe UI" panose="020B0502040204020203" pitchFamily="34" charset="0"/>
+                <a:latin typeface="+mj-lt"/>
                 <a:cs typeface="Segoe UI" panose="020B0502040204020203" pitchFamily="34" charset="0"/>
               </a:rPr>
               <a:t>The opioid and heroin epidemic touches nearly every American. Some are prescribed opioids for pain relief, some are battling opioid dependency and addiction, while others have lost a loved one to an overdose</a:t>
             </a:r>
           </a:p>
           <a:p>
-            <a:pPr marL="0" indent="0">
-              <a:buNone/>
+            <a:pPr algn="just">
+              <a:lnSpc>
+                <a:spcPct val="150000"/>
+              </a:lnSpc>
             </a:pPr>
-            <a:endParaRPr lang="en-US" dirty="0">
-              <a:latin typeface="Segoe UI" panose="020B0502040204020203" pitchFamily="34" charset="0"/>
-              <a:cs typeface="Segoe UI" panose="020B0502040204020203" pitchFamily="34" charset="0"/>
-            </a:endParaRPr>
-          </a:p>
-          <a:p>
             <a:r>
               <a:rPr lang="en-US" dirty="0">
-                <a:latin typeface="Segoe UI" panose="020B0502040204020203" pitchFamily="34" charset="0"/>
+                <a:latin typeface="+mj-lt"/>
                 <a:cs typeface="Segoe UI" panose="020B0502040204020203" pitchFamily="34" charset="0"/>
               </a:rPr>
               <a:t>The number of prescriptions for opioids has gone from 76 million in 1991 to nearly 207 million in 2013. In 2014, there were approximately one-and-a-half times more drug overdose deaths than deaths from motor vehicle crashes</a:t>
             </a:r>
           </a:p>
           <a:p>
-            <a:pPr marL="0" indent="0">
-              <a:buNone/>
-            </a:pPr>
-            <a:endParaRPr lang="en-US" dirty="0">
-              <a:latin typeface="Segoe UI" panose="020B0502040204020203" pitchFamily="34" charset="0"/>
+            <a:endParaRPr lang="en-IN" b="1" dirty="0">
+              <a:latin typeface="+mj-lt"/>
               <a:cs typeface="Segoe UI" panose="020B0502040204020203" pitchFamily="34" charset="0"/>
             </a:endParaRPr>
           </a:p>
-          <a:p>
-            <a:r>
-              <a:rPr lang="en-US" dirty="0">
-                <a:latin typeface="Segoe UI" panose="020B0502040204020203" pitchFamily="34" charset="0"/>
+        </p:txBody>
+      </p:sp>
+      <p:pic>
+        <p:nvPicPr>
+          <p:cNvPr id="5" name="Picture 4"/>
+          <p:cNvPicPr>
+            <a:picLocks noChangeAspect="1"/>
+          </p:cNvPicPr>
+          <p:nvPr/>
+        </p:nvPicPr>
+        <p:blipFill>
+          <a:blip r:embed="rId3"/>
+          <a:stretch>
+            <a:fillRect/>
+          </a:stretch>
+        </p:blipFill>
+        <p:spPr>
+          <a:xfrm>
+            <a:off x="7810241" y="1432561"/>
+            <a:ext cx="4007385" cy="3637280"/>
+          </a:xfrm>
+          <a:prstGeom prst="rect">
+            <a:avLst/>
+          </a:prstGeom>
+        </p:spPr>
+      </p:pic>
+      <p:sp>
+        <p:nvSpPr>
+          <p:cNvPr id="7" name="Content Placeholder 2"/>
+          <p:cNvSpPr txBox="1">
+            <a:spLocks/>
+          </p:cNvSpPr>
+          <p:nvPr/>
+        </p:nvSpPr>
+        <p:spPr>
+          <a:xfrm>
+            <a:off x="2218151" y="5323840"/>
+            <a:ext cx="9599475" cy="802640"/>
+          </a:xfrm>
+          <a:prstGeom prst="rect">
+            <a:avLst/>
+          </a:prstGeom>
+        </p:spPr>
+        <p:txBody>
+          <a:bodyPr vert="horz" lIns="91440" tIns="45720" rIns="91440" bIns="45720" rtlCol="0">
+            <a:normAutofit fontScale="85000" lnSpcReduction="10000"/>
+          </a:bodyPr>
+          <a:lstStyle>
+            <a:lvl1pPr marL="342900" indent="-342900" algn="l" defTabSz="457200" rtl="0" eaLnBrk="1" latinLnBrk="0" hangingPunct="1">
+              <a:spcBef>
+                <a:spcPts val="1000"/>
+              </a:spcBef>
+              <a:spcAft>
+                <a:spcPts val="0"/>
+              </a:spcAft>
+              <a:buClr>
+                <a:schemeClr val="accent1"/>
+              </a:buClr>
+              <a:buFont typeface="Wingdings 3" charset="2"/>
+              <a:buChar char=""/>
+              <a:defRPr sz="1800" kern="1200">
+                <a:solidFill>
+                  <a:schemeClr val="tx1">
+                    <a:lumMod val="75000"/>
+                    <a:lumOff val="25000"/>
+                  </a:schemeClr>
+                </a:solidFill>
+                <a:latin typeface="+mn-lt"/>
+                <a:ea typeface="+mn-ea"/>
+                <a:cs typeface="+mn-cs"/>
+              </a:defRPr>
+            </a:lvl1pPr>
+            <a:lvl2pPr marL="742950" indent="-285750" algn="l" defTabSz="457200" rtl="0" eaLnBrk="1" latinLnBrk="0" hangingPunct="1">
+              <a:spcBef>
+                <a:spcPts val="1000"/>
+              </a:spcBef>
+              <a:spcAft>
+                <a:spcPts val="0"/>
+              </a:spcAft>
+              <a:buClr>
+                <a:schemeClr val="accent1"/>
+              </a:buClr>
+              <a:buFont typeface="Wingdings 3" charset="2"/>
+              <a:buChar char=""/>
+              <a:defRPr sz="1600" kern="1200">
+                <a:solidFill>
+                  <a:schemeClr val="tx1">
+                    <a:lumMod val="75000"/>
+                    <a:lumOff val="25000"/>
+                  </a:schemeClr>
+                </a:solidFill>
+                <a:latin typeface="+mn-lt"/>
+                <a:ea typeface="+mn-ea"/>
+                <a:cs typeface="+mn-cs"/>
+              </a:defRPr>
+            </a:lvl2pPr>
+            <a:lvl3pPr marL="1143000" indent="-228600" algn="l" defTabSz="457200" rtl="0" eaLnBrk="1" latinLnBrk="0" hangingPunct="1">
+              <a:spcBef>
+                <a:spcPts val="1000"/>
+              </a:spcBef>
+              <a:spcAft>
+                <a:spcPts val="0"/>
+              </a:spcAft>
+              <a:buClr>
+                <a:schemeClr val="accent1"/>
+              </a:buClr>
+              <a:buFont typeface="Wingdings 3" charset="2"/>
+              <a:buChar char=""/>
+              <a:defRPr sz="1400" kern="1200">
+                <a:solidFill>
+                  <a:schemeClr val="tx1">
+                    <a:lumMod val="75000"/>
+                    <a:lumOff val="25000"/>
+                  </a:schemeClr>
+                </a:solidFill>
+                <a:latin typeface="+mn-lt"/>
+                <a:ea typeface="+mn-ea"/>
+                <a:cs typeface="+mn-cs"/>
+              </a:defRPr>
+            </a:lvl3pPr>
+            <a:lvl4pPr marL="1600200" indent="-228600" algn="l" defTabSz="457200" rtl="0" eaLnBrk="1" latinLnBrk="0" hangingPunct="1">
+              <a:spcBef>
+                <a:spcPts val="1000"/>
+              </a:spcBef>
+              <a:spcAft>
+                <a:spcPts val="0"/>
+              </a:spcAft>
+              <a:buClr>
+                <a:schemeClr val="accent1"/>
+              </a:buClr>
+              <a:buFont typeface="Wingdings 3" charset="2"/>
+              <a:buChar char=""/>
+              <a:defRPr sz="1200" kern="1200">
+                <a:solidFill>
+                  <a:schemeClr val="tx1">
+                    <a:lumMod val="75000"/>
+                    <a:lumOff val="25000"/>
+                  </a:schemeClr>
+                </a:solidFill>
+                <a:latin typeface="+mn-lt"/>
+                <a:ea typeface="+mn-ea"/>
+                <a:cs typeface="+mn-cs"/>
+              </a:defRPr>
+            </a:lvl4pPr>
+            <a:lvl5pPr marL="2057400" indent="-228600" algn="l" defTabSz="457200" rtl="0" eaLnBrk="1" latinLnBrk="0" hangingPunct="1">
+              <a:spcBef>
+                <a:spcPts val="1000"/>
+              </a:spcBef>
+              <a:spcAft>
+                <a:spcPts val="0"/>
+              </a:spcAft>
+              <a:buClr>
+                <a:schemeClr val="accent1"/>
+              </a:buClr>
+              <a:buFont typeface="Wingdings 3" charset="2"/>
+              <a:buChar char=""/>
+              <a:defRPr sz="1200" kern="1200">
+                <a:solidFill>
+                  <a:schemeClr val="tx1">
+                    <a:lumMod val="75000"/>
+                    <a:lumOff val="25000"/>
+                  </a:schemeClr>
+                </a:solidFill>
+                <a:latin typeface="+mn-lt"/>
+                <a:ea typeface="+mn-ea"/>
+                <a:cs typeface="+mn-cs"/>
+              </a:defRPr>
+            </a:lvl5pPr>
+            <a:lvl6pPr marL="2514600" indent="-228600" algn="l" defTabSz="457200" rtl="0" eaLnBrk="1" latinLnBrk="0" hangingPunct="1">
+              <a:spcBef>
+                <a:spcPts val="1000"/>
+              </a:spcBef>
+              <a:spcAft>
+                <a:spcPts val="0"/>
+              </a:spcAft>
+              <a:buClr>
+                <a:schemeClr val="accent1"/>
+              </a:buClr>
+              <a:buFont typeface="Wingdings 3" charset="2"/>
+              <a:buChar char=""/>
+              <a:defRPr sz="1200" kern="1200">
+                <a:solidFill>
+                  <a:schemeClr val="tx1">
+                    <a:lumMod val="75000"/>
+                    <a:lumOff val="25000"/>
+                  </a:schemeClr>
+                </a:solidFill>
+                <a:latin typeface="+mn-lt"/>
+                <a:ea typeface="+mn-ea"/>
+                <a:cs typeface="+mn-cs"/>
+              </a:defRPr>
+            </a:lvl6pPr>
+            <a:lvl7pPr marL="2971800" indent="-228600" algn="l" defTabSz="457200" rtl="0" eaLnBrk="1" latinLnBrk="0" hangingPunct="1">
+              <a:spcBef>
+                <a:spcPts val="1000"/>
+              </a:spcBef>
+              <a:spcAft>
+                <a:spcPts val="0"/>
+              </a:spcAft>
+              <a:buClr>
+                <a:schemeClr val="accent1"/>
+              </a:buClr>
+              <a:buFont typeface="Wingdings 3" charset="2"/>
+              <a:buChar char=""/>
+              <a:defRPr sz="1200" kern="1200">
+                <a:solidFill>
+                  <a:schemeClr val="tx1">
+                    <a:lumMod val="75000"/>
+                    <a:lumOff val="25000"/>
+                  </a:schemeClr>
+                </a:solidFill>
+                <a:latin typeface="+mn-lt"/>
+                <a:ea typeface="+mn-ea"/>
+                <a:cs typeface="+mn-cs"/>
+              </a:defRPr>
+            </a:lvl7pPr>
+            <a:lvl8pPr marL="3429000" indent="-228600" algn="l" defTabSz="457200" rtl="0" eaLnBrk="1" latinLnBrk="0" hangingPunct="1">
+              <a:spcBef>
+                <a:spcPts val="1000"/>
+              </a:spcBef>
+              <a:spcAft>
+                <a:spcPts val="0"/>
+              </a:spcAft>
+              <a:buClr>
+                <a:schemeClr val="accent1"/>
+              </a:buClr>
+              <a:buFont typeface="Wingdings 3" charset="2"/>
+              <a:buChar char=""/>
+              <a:defRPr sz="1200" kern="1200">
+                <a:solidFill>
+                  <a:schemeClr val="tx1">
+                    <a:lumMod val="75000"/>
+                    <a:lumOff val="25000"/>
+                  </a:schemeClr>
+                </a:solidFill>
+                <a:latin typeface="+mn-lt"/>
+                <a:ea typeface="+mn-ea"/>
+                <a:cs typeface="+mn-cs"/>
+              </a:defRPr>
+            </a:lvl8pPr>
+            <a:lvl9pPr marL="3886200" indent="-228600" algn="l" defTabSz="457200" rtl="0" eaLnBrk="1" latinLnBrk="0" hangingPunct="1">
+              <a:spcBef>
+                <a:spcPts val="1000"/>
+              </a:spcBef>
+              <a:spcAft>
+                <a:spcPts val="0"/>
+              </a:spcAft>
+              <a:buClr>
+                <a:schemeClr val="accent1"/>
+              </a:buClr>
+              <a:buFont typeface="Wingdings 3" charset="2"/>
+              <a:buChar char=""/>
+              <a:defRPr sz="1200" kern="1200">
+                <a:solidFill>
+                  <a:schemeClr val="tx1">
+                    <a:lumMod val="75000"/>
+                    <a:lumOff val="25000"/>
+                  </a:schemeClr>
+                </a:solidFill>
+                <a:latin typeface="+mn-lt"/>
+                <a:ea typeface="+mn-ea"/>
+                <a:cs typeface="+mn-cs"/>
+              </a:defRPr>
+            </a:lvl9pPr>
+          </a:lstStyle>
+          <a:p>
+            <a:pPr defTabSz="914400">
+              <a:lnSpc>
+                <a:spcPct val="150000"/>
+              </a:lnSpc>
+              <a:spcBef>
+                <a:spcPts val="0"/>
+              </a:spcBef>
+              <a:buClrTx/>
+              <a:defRPr/>
+            </a:pPr>
+            <a:r>
+              <a:rPr lang="en-US" sz="1900" dirty="0">
+                <a:latin typeface="+mj-lt"/>
                 <a:cs typeface="Segoe UI" panose="020B0502040204020203" pitchFamily="34" charset="0"/>
               </a:rPr>
               <a:t>We are creating ecosystem application that would give us insights into the root cause of the problem and help us find innovative ways to fight this evil crisis.</a:t>
             </a:r>
-            <a:endParaRPr lang="en-IN" dirty="0">
-              <a:latin typeface="Segoe UI" panose="020B0502040204020203" pitchFamily="34" charset="0"/>
+            <a:endParaRPr lang="en-IN" sz="1900" dirty="0">
+              <a:latin typeface="+mj-lt"/>
               <a:cs typeface="Segoe UI" panose="020B0502040204020203" pitchFamily="34" charset="0"/>
             </a:endParaRPr>
           </a:p>
           <a:p>
-            <a:endParaRPr lang="en-IN" b="1" dirty="0">
-              <a:latin typeface="Segoe UI" panose="020B0502040204020203" pitchFamily="34" charset="0"/>
-              <a:cs typeface="Segoe UI" panose="020B0502040204020203" pitchFamily="34" charset="0"/>
+            <a:endParaRPr lang="en-US" dirty="0">
+              <a:latin typeface="+mj-lt"/>
             </a:endParaRPr>
           </a:p>
         </p:txBody>
@@ -7956,6 +9448,18 @@
   <p:clrMapOvr>
     <a:masterClrMapping/>
   </p:clrMapOvr>
+  <mc:AlternateContent xmlns:mc="http://schemas.openxmlformats.org/markup-compatibility/2006">
+    <mc:Choice xmlns:p14="http://schemas.microsoft.com/office/powerpoint/2010/main" Requires="p14">
+      <p:transition spd="med" p14:dur="700">
+        <p:fade/>
+      </p:transition>
+    </mc:Choice>
+    <mc:Fallback>
+      <p:transition spd="med">
+        <p:fade/>
+      </p:transition>
+    </mc:Fallback>
+  </mc:AlternateContent>
 </p:sld>
 </file>
 
@@ -7988,8 +9492,8 @@
         </p:nvSpPr>
         <p:spPr>
           <a:xfrm>
-            <a:off x="2377177" y="490329"/>
-            <a:ext cx="8915400" cy="5950227"/>
+            <a:off x="2406332" y="591419"/>
+            <a:ext cx="8915400" cy="5218203"/>
           </a:xfrm>
         </p:spPr>
         <p:txBody>
@@ -7998,72 +9502,143 @@
           </a:bodyPr>
           <a:lstStyle/>
           <a:p>
-            <a:r>
-              <a:rPr lang="en-IN" sz="2800" dirty="0">
-                <a:latin typeface="Segoe UI" panose="020B0502040204020203" pitchFamily="34" charset="0"/>
-                <a:cs typeface="Segoe UI" panose="020B0502040204020203" pitchFamily="34" charset="0"/>
+            <a:pPr marL="0" indent="0">
+              <a:buNone/>
+            </a:pPr>
+            <a:r>
+              <a:rPr lang="en-US" sz="2800" dirty="0">
+                <a:solidFill>
+                  <a:schemeClr val="accent3">
+                    <a:lumMod val="60000"/>
+                    <a:lumOff val="40000"/>
+                  </a:schemeClr>
+                </a:solidFill>
+                <a:ea typeface="Segoe UI Emoji" panose="020B0502040204020203" pitchFamily="34" charset="0"/>
               </a:rPr>
               <a:t>Stakeholders</a:t>
             </a:r>
           </a:p>
           <a:p>
-            <a:endParaRPr lang="en-IN" sz="2800" dirty="0"/>
-          </a:p>
-          <a:p>
-            <a:r>
-              <a:rPr lang="en-IN" sz="2800" dirty="0">
-                <a:latin typeface="Segoe UI" panose="020B0502040204020203" pitchFamily="34" charset="0"/>
-                <a:cs typeface="Segoe UI" panose="020B0502040204020203" pitchFamily="34" charset="0"/>
+            <a:pPr>
+              <a:lnSpc>
+                <a:spcPct val="200000"/>
+              </a:lnSpc>
+            </a:pPr>
+            <a:r>
+              <a:rPr lang="en-US" dirty="0">
+                <a:ea typeface="Segoe UI Emoji" panose="020B0502040204020203" pitchFamily="34" charset="0"/>
               </a:rPr>
-              <a:t>1. </a:t>
-            </a:r>
-            <a:r>
-              <a:rPr lang="en-IN" sz="2400" dirty="0">
-                <a:latin typeface="Segoe UI" panose="020B0502040204020203" pitchFamily="34" charset="0"/>
-                <a:cs typeface="Segoe UI" panose="020B0502040204020203" pitchFamily="34" charset="0"/>
+              <a:t>Hospital</a:t>
+            </a:r>
+          </a:p>
+          <a:p>
+            <a:pPr>
+              <a:lnSpc>
+                <a:spcPct val="200000"/>
+              </a:lnSpc>
+            </a:pPr>
+            <a:r>
+              <a:rPr lang="en-US" dirty="0">
+                <a:ea typeface="Segoe UI Emoji" panose="020B0502040204020203" pitchFamily="34" charset="0"/>
               </a:rPr>
-              <a:t>Hospital Enterprise</a:t>
-            </a:r>
-          </a:p>
-          <a:p>
-            <a:endParaRPr lang="en-IN" sz="2400" dirty="0"/>
-          </a:p>
-          <a:p>
-            <a:r>
-              <a:rPr lang="en-US" dirty="0"/>
-              <a:t>Doctors can diagnose the patient and prescribe opioids if needed</a:t>
-            </a:r>
-          </a:p>
-          <a:p>
-            <a:r>
-              <a:rPr lang="en-US" dirty="0"/>
-              <a:t>Identify a pattern of opioid abuse and can recommend a patient to community rehab provider</a:t>
-            </a:r>
-          </a:p>
-          <a:p>
-            <a:r>
-              <a:rPr lang="en-IN" dirty="0"/>
-              <a:t>Hospital enterprise can also see the breakdown of each opioid abuse symptom for its patients</a:t>
-            </a:r>
-          </a:p>
-          <a:p>
-            <a:endParaRPr lang="en-IN" dirty="0"/>
-          </a:p>
-          <a:p>
-            <a:endParaRPr lang="en-IN" sz="2800" dirty="0"/>
-          </a:p>
-        </p:txBody>
-      </p:sp>
+              <a:t>Pharmacy</a:t>
+            </a:r>
+          </a:p>
+          <a:p>
+            <a:pPr>
+              <a:lnSpc>
+                <a:spcPct val="200000"/>
+              </a:lnSpc>
+            </a:pPr>
+            <a:r>
+              <a:rPr lang="en-US" dirty="0">
+                <a:ea typeface="Segoe UI Emoji" panose="020B0502040204020203" pitchFamily="34" charset="0"/>
+              </a:rPr>
+              <a:t>Pharmaceutical Company</a:t>
+            </a:r>
+          </a:p>
+          <a:p>
+            <a:pPr>
+              <a:lnSpc>
+                <a:spcPct val="200000"/>
+              </a:lnSpc>
+            </a:pPr>
+            <a:r>
+              <a:rPr lang="en-US" dirty="0">
+                <a:ea typeface="Segoe UI Emoji" panose="020B0502040204020203" pitchFamily="34" charset="0"/>
+              </a:rPr>
+              <a:t>Drug Enforcement Administration</a:t>
+            </a:r>
+          </a:p>
+          <a:p>
+            <a:pPr>
+              <a:lnSpc>
+                <a:spcPct val="200000"/>
+              </a:lnSpc>
+            </a:pPr>
+            <a:r>
+              <a:rPr lang="en-US" dirty="0">
+                <a:ea typeface="Segoe UI Emoji" panose="020B0502040204020203" pitchFamily="34" charset="0"/>
+              </a:rPr>
+              <a:t>Community Rehabilitation Center</a:t>
+            </a:r>
+          </a:p>
+          <a:p>
+            <a:pPr marL="0" indent="0">
+              <a:buNone/>
+            </a:pPr>
+            <a:endParaRPr lang="en-US" dirty="0">
+              <a:ea typeface="Segoe UI Emoji" panose="020B0502040204020203" pitchFamily="34" charset="0"/>
+            </a:endParaRPr>
+          </a:p>
+        </p:txBody>
+      </p:sp>
+      <p:pic>
+        <p:nvPicPr>
+          <p:cNvPr id="4" name="Picture 3"/>
+          <p:cNvPicPr>
+            <a:picLocks noChangeAspect="1"/>
+          </p:cNvPicPr>
+          <p:nvPr/>
+        </p:nvPicPr>
+        <p:blipFill>
+          <a:blip r:embed="rId2"/>
+          <a:stretch>
+            <a:fillRect/>
+          </a:stretch>
+        </p:blipFill>
+        <p:spPr>
+          <a:xfrm>
+            <a:off x="7792720" y="855579"/>
+            <a:ext cx="3682800" cy="3472581"/>
+          </a:xfrm>
+          <a:prstGeom prst="rect">
+            <a:avLst/>
+          </a:prstGeom>
+        </p:spPr>
+      </p:pic>
     </p:spTree>
     <p:extLst>
       <p:ext uri="{BB962C8B-B14F-4D97-AF65-F5344CB8AC3E}">
-        <p14:creationId xmlns:p14="http://schemas.microsoft.com/office/powerpoint/2010/main" val="2467113849"/>
+        <p14:creationId xmlns:p14="http://schemas.microsoft.com/office/powerpoint/2010/main" val="119269455"/>
       </p:ext>
     </p:extLst>
   </p:cSld>
   <p:clrMapOvr>
     <a:masterClrMapping/>
   </p:clrMapOvr>
+  <mc:AlternateContent xmlns:mc="http://schemas.openxmlformats.org/markup-compatibility/2006">
+    <mc:Choice xmlns:p14="http://schemas.microsoft.com/office/powerpoint/2010/main" Requires="p14">
+      <p:transition spd="med" p14:dur="700">
+        <p:fade/>
+      </p:transition>
+    </mc:Choice>
+    <mc:Fallback>
+      <p:transition spd="med">
+        <p:fade/>
+      </p:transition>
+    </mc:Fallback>
+  </mc:AlternateContent>
 </p:sld>
 </file>
 
@@ -8086,132 +9661,90 @@
       </p:grpSpPr>
       <p:sp>
         <p:nvSpPr>
-          <p:cNvPr id="2" name="Title 1"/>
-          <p:cNvSpPr>
-            <a:spLocks noGrp="1"/>
-          </p:cNvSpPr>
-          <p:nvPr>
-            <p:ph type="title"/>
+          <p:cNvPr id="3" name="Content Placeholder 2"/>
+          <p:cNvSpPr>
+            <a:spLocks noGrp="1"/>
+          </p:cNvSpPr>
+          <p:nvPr>
+            <p:ph idx="1"/>
           </p:nvPr>
         </p:nvSpPr>
         <p:spPr>
           <a:xfrm>
-            <a:off x="2592925" y="624110"/>
-            <a:ext cx="8911687" cy="809036"/>
+            <a:off x="2377177" y="571609"/>
+            <a:ext cx="8915400" cy="5950227"/>
           </a:xfrm>
         </p:spPr>
         <p:txBody>
-          <a:bodyPr/>
+          <a:bodyPr>
+            <a:normAutofit/>
+          </a:bodyPr>
           <a:lstStyle/>
           <a:p>
-            <a:r>
-              <a:rPr lang="en-US" dirty="0" err="1"/>
-              <a:t>Baysian</a:t>
-            </a:r>
+            <a:pPr marL="0" indent="0">
+              <a:buNone/>
+            </a:pPr>
+            <a:r>
+              <a:rPr lang="en-IN" sz="2800" dirty="0">
+                <a:solidFill>
+                  <a:schemeClr val="accent3">
+                    <a:lumMod val="60000"/>
+                    <a:lumOff val="40000"/>
+                  </a:schemeClr>
+                </a:solidFill>
+                <a:latin typeface="+mj-lt"/>
+                <a:cs typeface="Segoe UI" panose="020B0502040204020203" pitchFamily="34" charset="0"/>
+              </a:rPr>
+              <a:t>Hospital Enterprise</a:t>
+            </a:r>
+          </a:p>
+          <a:p>
+            <a:endParaRPr lang="en-IN" sz="2400" dirty="0"/>
+          </a:p>
+          <a:p>
+            <a:pPr algn="just">
+              <a:lnSpc>
+                <a:spcPct val="150000"/>
+              </a:lnSpc>
+            </a:pPr>
             <a:r>
               <a:rPr lang="en-US" dirty="0"/>
-              <a:t> </a:t>
-            </a:r>
-            <a:r>
-              <a:rPr lang="en-US" dirty="0" err="1"/>
-              <a:t>Algoritm</a:t>
-            </a:r>
-            <a:endParaRPr lang="en-US" dirty="0"/>
-          </a:p>
-        </p:txBody>
-      </p:sp>
-      <p:sp>
-        <p:nvSpPr>
-          <p:cNvPr id="3" name="Content Placeholder 2"/>
-          <p:cNvSpPr>
-            <a:spLocks noGrp="1"/>
-          </p:cNvSpPr>
-          <p:nvPr>
-            <p:ph idx="1"/>
-          </p:nvPr>
-        </p:nvSpPr>
-        <p:spPr>
-          <a:xfrm>
-            <a:off x="2589212" y="1644162"/>
-            <a:ext cx="8915400" cy="4267060"/>
-          </a:xfrm>
-        </p:spPr>
-        <p:txBody>
-          <a:bodyPr/>
-          <a:lstStyle/>
-          <a:p>
+              <a:t>Doctors can diagnose the patient and prescribe opioids if needed</a:t>
+            </a:r>
+          </a:p>
+          <a:p>
+            <a:pPr algn="just">
+              <a:lnSpc>
+                <a:spcPct val="150000"/>
+              </a:lnSpc>
+            </a:pPr>
             <a:r>
               <a:rPr lang="en-US" dirty="0"/>
-              <a:t>A Bayesian average is a method of estimating the mean of a population where instead of estimating the mean strictly from the available data set, other information – especially a pre-existing belief with regard to the population which is a central feature of Bayesian interpretation – is incorporated into the calculation which is especially relevant when the available data set is small.</a:t>
-            </a:r>
-          </a:p>
-          <a:p>
-            <a:r>
-              <a:rPr lang="en-US" dirty="0" err="1"/>
-              <a:t>Baysian</a:t>
-            </a:r>
-            <a:r>
-              <a:rPr lang="en-US" dirty="0"/>
-              <a:t> Weighted rating (WR) = (v ÷ (</a:t>
-            </a:r>
-            <a:r>
-              <a:rPr lang="en-US" dirty="0" err="1"/>
-              <a:t>v+m</a:t>
-            </a:r>
-            <a:r>
-              <a:rPr lang="en-US" dirty="0"/>
-              <a:t>)) × R + (m ÷ (</a:t>
-            </a:r>
-            <a:r>
-              <a:rPr lang="en-US" dirty="0" err="1"/>
-              <a:t>v+m</a:t>
-            </a:r>
-            <a:r>
-              <a:rPr lang="en-US" dirty="0"/>
-              <a:t>)) × C</a:t>
-            </a:r>
-          </a:p>
-          <a:p>
-            <a:pPr marL="400050" lvl="1" indent="0">
-              <a:buNone/>
+              <a:t>Identify a pattern of opioid abuse and can recommend a patient to community rehab provider</a:t>
+            </a:r>
+          </a:p>
+          <a:p>
+            <a:pPr algn="just">
+              <a:lnSpc>
+                <a:spcPct val="150000"/>
+              </a:lnSpc>
             </a:pPr>
             <a:r>
-              <a:rPr lang="en-US" dirty="0"/>
-              <a:t>m = Total patients in the Ecosystem </a:t>
-            </a:r>
-          </a:p>
-          <a:p>
-            <a:pPr marL="400050" lvl="1" indent="0">
-              <a:buNone/>
-            </a:pPr>
-            <a:r>
-              <a:rPr lang="en-US" dirty="0"/>
-              <a:t>v = Average of visits for all patients in the Ecosystem </a:t>
-            </a:r>
-          </a:p>
-          <a:p>
-            <a:pPr marL="400050" lvl="1" indent="0">
-              <a:buNone/>
-            </a:pPr>
-            <a:r>
-              <a:rPr lang="en-US" dirty="0"/>
-              <a:t>c = Total symptom score for current patient</a:t>
-            </a:r>
-          </a:p>
-          <a:p>
-            <a:pPr marL="400050" lvl="1" indent="0">
-              <a:buNone/>
-            </a:pPr>
-            <a:r>
-              <a:rPr lang="en-US" dirty="0"/>
-              <a:t>R = Average symptom score of all patients in the Ecosystem</a:t>
-            </a:r>
+              <a:rPr lang="en-IN" dirty="0"/>
+              <a:t>Hospital enterprise can also see the breakdown of each opioid abuse symptom for its patients</a:t>
+            </a:r>
+          </a:p>
+          <a:p>
+            <a:endParaRPr lang="en-IN" dirty="0"/>
+          </a:p>
+          <a:p>
+            <a:endParaRPr lang="en-IN" sz="2800" dirty="0"/>
           </a:p>
         </p:txBody>
       </p:sp>
       <p:pic>
         <p:nvPicPr>
-          <p:cNvPr id="7" name="Picture 6"/>
+          <p:cNvPr id="4" name="Picture 3"/>
           <p:cNvPicPr>
             <a:picLocks noChangeAspect="1"/>
           </p:cNvPicPr>
@@ -8225,8 +9758,8 @@
         </p:blipFill>
         <p:spPr>
           <a:xfrm>
-            <a:off x="6951671" y="478529"/>
-            <a:ext cx="2557086" cy="1060125"/>
+            <a:off x="5988422" y="3622324"/>
+            <a:ext cx="5304155" cy="2818232"/>
           </a:xfrm>
           <a:prstGeom prst="rect">
             <a:avLst/>
@@ -8236,13 +9769,25 @@
     </p:spTree>
     <p:extLst>
       <p:ext uri="{BB962C8B-B14F-4D97-AF65-F5344CB8AC3E}">
-        <p14:creationId xmlns:p14="http://schemas.microsoft.com/office/powerpoint/2010/main" val="2034560437"/>
+        <p14:creationId xmlns:p14="http://schemas.microsoft.com/office/powerpoint/2010/main" val="2467113849"/>
       </p:ext>
     </p:extLst>
   </p:cSld>
   <p:clrMapOvr>
     <a:masterClrMapping/>
   </p:clrMapOvr>
+  <mc:AlternateContent xmlns:mc="http://schemas.openxmlformats.org/markup-compatibility/2006">
+    <mc:Choice xmlns:p14="http://schemas.microsoft.com/office/powerpoint/2010/main" Requires="p14">
+      <p:transition spd="med" p14:dur="700">
+        <p:fade/>
+      </p:transition>
+    </mc:Choice>
+    <mc:Fallback>
+      <p:transition spd="med">
+        <p:fade/>
+      </p:transition>
+    </mc:Fallback>
+  </mc:AlternateContent>
 </p:sld>
 </file>
 
@@ -8275,8 +9820,8 @@
         </p:nvSpPr>
         <p:spPr>
           <a:xfrm>
-            <a:off x="2377177" y="490329"/>
-            <a:ext cx="8915400" cy="5950227"/>
+            <a:off x="2589212" y="565504"/>
+            <a:ext cx="8915400" cy="5213638"/>
           </a:xfrm>
         </p:spPr>
         <p:txBody>
@@ -8285,87 +9830,106 @@
           </a:bodyPr>
           <a:lstStyle/>
           <a:p>
-            <a:r>
-              <a:rPr lang="en-IN" sz="2800" dirty="0">
-                <a:latin typeface="Segoe UI" panose="020B0502040204020203" pitchFamily="34" charset="0"/>
-                <a:cs typeface="Segoe UI" panose="020B0502040204020203" pitchFamily="34" charset="0"/>
+            <a:pPr marL="0" indent="0">
+              <a:buNone/>
+            </a:pPr>
+            <a:r>
+              <a:rPr lang="en-US" sz="2800" dirty="0">
+                <a:solidFill>
+                  <a:schemeClr val="accent3">
+                    <a:lumMod val="60000"/>
+                    <a:lumOff val="40000"/>
+                  </a:schemeClr>
+                </a:solidFill>
               </a:rPr>
-              <a:t>Stakeholders</a:t>
-            </a:r>
-          </a:p>
-          <a:p>
-            <a:endParaRPr lang="en-IN" sz="2800" dirty="0"/>
-          </a:p>
-          <a:p>
-            <a:r>
-              <a:rPr lang="en-IN" sz="2800" dirty="0"/>
-              <a:t>2. </a:t>
-            </a:r>
-            <a:r>
-              <a:rPr lang="en-IN" sz="2400" dirty="0">
-                <a:latin typeface="Segoe UI" panose="020B0502040204020203" pitchFamily="34" charset="0"/>
-                <a:cs typeface="Segoe UI" panose="020B0502040204020203" pitchFamily="34" charset="0"/>
-              </a:rPr>
-              <a:t>Pharmacy Enterprise</a:t>
-            </a:r>
-          </a:p>
-          <a:p>
-            <a:endParaRPr lang="en-IN" sz="2400" dirty="0"/>
-          </a:p>
-          <a:p>
-            <a:r>
-              <a:rPr lang="en-US" dirty="0">
-                <a:latin typeface="Segoe UI" panose="020B0502040204020203" pitchFamily="34" charset="0"/>
-                <a:cs typeface="Segoe UI" panose="020B0502040204020203" pitchFamily="34" charset="0"/>
-              </a:rPr>
-              <a:t>Order opioids from pharma companies</a:t>
-            </a:r>
-            <a:endParaRPr lang="en-IN" dirty="0">
-              <a:latin typeface="Segoe UI" panose="020B0502040204020203" pitchFamily="34" charset="0"/>
-              <a:cs typeface="Segoe UI" panose="020B0502040204020203" pitchFamily="34" charset="0"/>
+              <a:t>Patient Symptoms for various reports</a:t>
+            </a:r>
+          </a:p>
+          <a:p>
+            <a:pPr marL="0" indent="0">
+              <a:buNone/>
+            </a:pPr>
+            <a:endParaRPr lang="en-US" dirty="0">
+              <a:solidFill>
+                <a:schemeClr val="accent3">
+                  <a:lumMod val="60000"/>
+                  <a:lumOff val="40000"/>
+                </a:schemeClr>
+              </a:solidFill>
             </a:endParaRPr>
           </a:p>
-          <a:p>
-            <a:r>
-              <a:rPr lang="en-US" dirty="0">
-                <a:latin typeface="Segoe UI" panose="020B0502040204020203" pitchFamily="34" charset="0"/>
-                <a:cs typeface="Segoe UI" panose="020B0502040204020203" pitchFamily="34" charset="0"/>
-              </a:rPr>
-              <a:t>Sell opioids based on demand</a:t>
-            </a:r>
-            <a:endParaRPr lang="en-IN" dirty="0">
-              <a:latin typeface="Segoe UI" panose="020B0502040204020203" pitchFamily="34" charset="0"/>
-              <a:cs typeface="Segoe UI" panose="020B0502040204020203" pitchFamily="34" charset="0"/>
-            </a:endParaRPr>
-          </a:p>
-          <a:p>
-            <a:r>
-              <a:rPr lang="en-US" dirty="0">
-                <a:latin typeface="Segoe UI" panose="020B0502040204020203" pitchFamily="34" charset="0"/>
-                <a:cs typeface="Segoe UI" panose="020B0502040204020203" pitchFamily="34" charset="0"/>
-              </a:rPr>
-              <a:t>Keep a track of purchase history</a:t>
-            </a:r>
-            <a:endParaRPr lang="en-IN" dirty="0">
-              <a:latin typeface="Segoe UI" panose="020B0502040204020203" pitchFamily="34" charset="0"/>
-              <a:cs typeface="Segoe UI" panose="020B0502040204020203" pitchFamily="34" charset="0"/>
-            </a:endParaRPr>
-          </a:p>
-          <a:p>
-            <a:endParaRPr lang="en-IN" sz="2800" dirty="0"/>
-          </a:p>
-        </p:txBody>
-      </p:sp>
+        </p:txBody>
+      </p:sp>
+      <p:pic>
+        <p:nvPicPr>
+          <p:cNvPr id="4" name="Picture 3"/>
+          <p:cNvPicPr>
+            <a:picLocks noChangeAspect="1"/>
+          </p:cNvPicPr>
+          <p:nvPr/>
+        </p:nvPicPr>
+        <p:blipFill>
+          <a:blip r:embed="rId2"/>
+          <a:stretch>
+            <a:fillRect/>
+          </a:stretch>
+        </p:blipFill>
+        <p:spPr>
+          <a:xfrm>
+            <a:off x="2589212" y="1263097"/>
+            <a:ext cx="8619258" cy="5454021"/>
+          </a:xfrm>
+          <a:prstGeom prst="rect">
+            <a:avLst/>
+          </a:prstGeom>
+        </p:spPr>
+      </p:pic>
+      <p:pic>
+        <p:nvPicPr>
+          <p:cNvPr id="5" name="Picture 4"/>
+          <p:cNvPicPr>
+            <a:picLocks noChangeAspect="1"/>
+          </p:cNvPicPr>
+          <p:nvPr/>
+        </p:nvPicPr>
+        <p:blipFill>
+          <a:blip r:embed="rId3"/>
+          <a:stretch>
+            <a:fillRect/>
+          </a:stretch>
+        </p:blipFill>
+        <p:spPr>
+          <a:xfrm>
+            <a:off x="1675933" y="3990107"/>
+            <a:ext cx="2132933" cy="2844800"/>
+          </a:xfrm>
+          <a:prstGeom prst="rect">
+            <a:avLst/>
+          </a:prstGeom>
+        </p:spPr>
+      </p:pic>
     </p:spTree>
     <p:extLst>
       <p:ext uri="{BB962C8B-B14F-4D97-AF65-F5344CB8AC3E}">
-        <p14:creationId xmlns:p14="http://schemas.microsoft.com/office/powerpoint/2010/main" val="2994002200"/>
+        <p14:creationId xmlns:p14="http://schemas.microsoft.com/office/powerpoint/2010/main" val="3254589067"/>
       </p:ext>
     </p:extLst>
   </p:cSld>
   <p:clrMapOvr>
     <a:masterClrMapping/>
   </p:clrMapOvr>
+  <mc:AlternateContent xmlns:mc="http://schemas.openxmlformats.org/markup-compatibility/2006">
+    <mc:Choice xmlns:p14="http://schemas.microsoft.com/office/powerpoint/2010/main" Requires="p14">
+      <p:transition spd="med" p14:dur="700">
+        <p:fade/>
+      </p:transition>
+    </mc:Choice>
+    <mc:Fallback>
+      <p:transition spd="med">
+        <p:fade/>
+      </p:transition>
+    </mc:Fallback>
+  </mc:AlternateContent>
 </p:sld>
 </file>
 
@@ -8388,18 +9952,18 @@
       </p:grpSpPr>
       <p:sp>
         <p:nvSpPr>
-          <p:cNvPr id="3" name="Content Placeholder 2"/>
-          <p:cNvSpPr>
-            <a:spLocks noGrp="1"/>
-          </p:cNvSpPr>
-          <p:nvPr>
-            <p:ph idx="1"/>
+          <p:cNvPr id="2" name="Title 1"/>
+          <p:cNvSpPr>
+            <a:spLocks noGrp="1"/>
+          </p:cNvSpPr>
+          <p:nvPr>
+            <p:ph type="title"/>
           </p:nvPr>
         </p:nvSpPr>
         <p:spPr>
           <a:xfrm>
-            <a:off x="2377177" y="490329"/>
-            <a:ext cx="8915400" cy="5950227"/>
+            <a:off x="2592925" y="624110"/>
+            <a:ext cx="8911687" cy="809036"/>
           </a:xfrm>
         </p:spPr>
         <p:txBody>
@@ -8409,76 +9973,151 @@
           <a:lstStyle/>
           <a:p>
             <a:r>
-              <a:rPr lang="en-IN" sz="2800" dirty="0">
-                <a:latin typeface="Segoe UI" panose="020B0502040204020203" pitchFamily="34" charset="0"/>
-                <a:cs typeface="Segoe UI" panose="020B0502040204020203" pitchFamily="34" charset="0"/>
-              </a:rPr>
-              <a:t>Stakeholders</a:t>
-            </a:r>
-          </a:p>
-          <a:p>
-            <a:endParaRPr lang="en-IN" sz="2800" dirty="0"/>
-          </a:p>
-          <a:p>
-            <a:r>
-              <a:rPr lang="en-IN" sz="2800" dirty="0"/>
-              <a:t>3. </a:t>
-            </a:r>
-            <a:r>
-              <a:rPr lang="en-IN" sz="2400" dirty="0">
-                <a:latin typeface="Segoe UI" panose="020B0502040204020203" pitchFamily="34" charset="0"/>
-                <a:cs typeface="Segoe UI" panose="020B0502040204020203" pitchFamily="34" charset="0"/>
-              </a:rPr>
-              <a:t>Pharmaceutical Company Enterprise</a:t>
-            </a:r>
-          </a:p>
-          <a:p>
-            <a:pPr marL="0" indent="0">
+              <a:rPr lang="en-US" sz="2800" dirty="0"/>
+              <a:t>Bayesian Algorithm</a:t>
+            </a:r>
+          </a:p>
+        </p:txBody>
+      </p:sp>
+      <p:sp>
+        <p:nvSpPr>
+          <p:cNvPr id="3" name="Content Placeholder 2"/>
+          <p:cNvSpPr>
+            <a:spLocks noGrp="1"/>
+          </p:cNvSpPr>
+          <p:nvPr>
+            <p:ph idx="1"/>
+          </p:nvPr>
+        </p:nvSpPr>
+        <p:spPr>
+          <a:xfrm>
+            <a:off x="2589212" y="1644162"/>
+            <a:ext cx="9161588" cy="4267060"/>
+          </a:xfrm>
+        </p:spPr>
+        <p:txBody>
+          <a:bodyPr>
+            <a:normAutofit/>
+          </a:bodyPr>
+          <a:lstStyle/>
+          <a:p>
+            <a:pPr algn="just"/>
+            <a:r>
+              <a:rPr lang="en-US" dirty="0"/>
+              <a:t>A Bayesian average is a method of estimating the mean of a population where instead of estimating the mean strictly from the available data set, other information – especially a pre-existing belief with regard to the population which is a central feature of Bayesian interpretation – is incorporated into the calculation.</a:t>
+            </a:r>
+          </a:p>
+          <a:p>
+            <a:pPr algn="just"/>
+            <a:endParaRPr lang="en-US" dirty="0"/>
+          </a:p>
+          <a:p>
+            <a:pPr algn="just"/>
+            <a:r>
+              <a:rPr lang="en-US" dirty="0"/>
+              <a:t>Bayesian Weighted rating (WR) = (v ÷ (</a:t>
+            </a:r>
+            <a:r>
+              <a:rPr lang="en-US" dirty="0" err="1"/>
+              <a:t>v+m</a:t>
+            </a:r>
+            <a:r>
+              <a:rPr lang="en-US" dirty="0"/>
+              <a:t>)) × R + (m ÷ (</a:t>
+            </a:r>
+            <a:r>
+              <a:rPr lang="en-US" dirty="0" err="1"/>
+              <a:t>v+m</a:t>
+            </a:r>
+            <a:r>
+              <a:rPr lang="en-US" dirty="0"/>
+              <a:t>)) × C</a:t>
+            </a:r>
+          </a:p>
+          <a:p>
+            <a:pPr marL="400050" lvl="1" indent="0" algn="just">
               <a:buNone/>
             </a:pPr>
-            <a:endParaRPr lang="en-IN" sz="2400" dirty="0"/>
-          </a:p>
-          <a:p>
-            <a:r>
-              <a:rPr lang="en-US" dirty="0">
-                <a:latin typeface="Segoe UI" panose="020B0502040204020203" pitchFamily="34" charset="0"/>
-                <a:cs typeface="Segoe UI" panose="020B0502040204020203" pitchFamily="34" charset="0"/>
-              </a:rPr>
-              <a:t>Supply opioids</a:t>
-            </a:r>
-            <a:endParaRPr lang="en-IN" dirty="0">
-              <a:latin typeface="Segoe UI" panose="020B0502040204020203" pitchFamily="34" charset="0"/>
-              <a:cs typeface="Segoe UI" panose="020B0502040204020203" pitchFamily="34" charset="0"/>
-            </a:endParaRPr>
-          </a:p>
-          <a:p>
-            <a:r>
-              <a:rPr lang="en-US" dirty="0">
-                <a:latin typeface="Segoe UI" panose="020B0502040204020203" pitchFamily="34" charset="0"/>
-                <a:cs typeface="Segoe UI" panose="020B0502040204020203" pitchFamily="34" charset="0"/>
-              </a:rPr>
-              <a:t>Keep a track of opioids supplied across various organizations</a:t>
-            </a:r>
-            <a:endParaRPr lang="en-IN" dirty="0">
-              <a:latin typeface="Segoe UI" panose="020B0502040204020203" pitchFamily="34" charset="0"/>
-              <a:cs typeface="Segoe UI" panose="020B0502040204020203" pitchFamily="34" charset="0"/>
-            </a:endParaRPr>
-          </a:p>
-          <a:p>
-            <a:endParaRPr lang="en-IN" sz="2800" dirty="0"/>
-          </a:p>
-        </p:txBody>
-      </p:sp>
+            <a:r>
+              <a:rPr lang="en-US" sz="1800" dirty="0"/>
+              <a:t>m = Total patients in the Ecosystem </a:t>
+            </a:r>
+          </a:p>
+          <a:p>
+            <a:pPr marL="400050" lvl="1" indent="0" algn="just">
+              <a:buNone/>
+            </a:pPr>
+            <a:r>
+              <a:rPr lang="en-US" sz="1800" dirty="0"/>
+              <a:t>v = Average of visits for all patients in the Ecosystem </a:t>
+            </a:r>
+          </a:p>
+          <a:p>
+            <a:pPr marL="400050" lvl="1" indent="0" algn="just">
+              <a:buNone/>
+            </a:pPr>
+            <a:r>
+              <a:rPr lang="en-US" sz="1800" dirty="0"/>
+              <a:t>c = Total symptom score for current patient</a:t>
+            </a:r>
+          </a:p>
+          <a:p>
+            <a:pPr marL="400050" lvl="1" indent="0" algn="just">
+              <a:buNone/>
+            </a:pPr>
+            <a:r>
+              <a:rPr lang="en-US" sz="1800" dirty="0"/>
+              <a:t>R = Average symptom score of all patients in the Ecosystem</a:t>
+            </a:r>
+          </a:p>
+        </p:txBody>
+      </p:sp>
+      <p:pic>
+        <p:nvPicPr>
+          <p:cNvPr id="7" name="Picture 6"/>
+          <p:cNvPicPr>
+            <a:picLocks noChangeAspect="1"/>
+          </p:cNvPicPr>
+          <p:nvPr/>
+        </p:nvPicPr>
+        <p:blipFill>
+          <a:blip r:embed="rId2"/>
+          <a:stretch>
+            <a:fillRect/>
+          </a:stretch>
+        </p:blipFill>
+        <p:spPr>
+          <a:xfrm>
+            <a:off x="9193714" y="373021"/>
+            <a:ext cx="2557086" cy="1060125"/>
+          </a:xfrm>
+          <a:prstGeom prst="rect">
+            <a:avLst/>
+          </a:prstGeom>
+        </p:spPr>
+      </p:pic>
     </p:spTree>
     <p:extLst>
       <p:ext uri="{BB962C8B-B14F-4D97-AF65-F5344CB8AC3E}">
-        <p14:creationId xmlns:p14="http://schemas.microsoft.com/office/powerpoint/2010/main" val="1249275196"/>
+        <p14:creationId xmlns:p14="http://schemas.microsoft.com/office/powerpoint/2010/main" val="2034560437"/>
       </p:ext>
     </p:extLst>
   </p:cSld>
   <p:clrMapOvr>
     <a:masterClrMapping/>
   </p:clrMapOvr>
+  <mc:AlternateContent xmlns:mc="http://schemas.openxmlformats.org/markup-compatibility/2006">
+    <mc:Choice xmlns:p14="http://schemas.microsoft.com/office/powerpoint/2010/main" Requires="p14">
+      <p:transition spd="med" p14:dur="700">
+        <p:fade/>
+      </p:transition>
+    </mc:Choice>
+    <mc:Fallback>
+      <p:transition spd="med">
+        <p:fade/>
+      </p:transition>
+    </mc:Fallback>
+  </mc:AlternateContent>
 </p:sld>
 </file>
 
@@ -8511,7 +10150,7 @@
         </p:nvSpPr>
         <p:spPr>
           <a:xfrm>
-            <a:off x="2377177" y="490329"/>
+            <a:off x="2377177" y="571609"/>
             <a:ext cx="8915400" cy="5950227"/>
           </a:xfrm>
         </p:spPr>
@@ -8521,62 +10160,114 @@
           </a:bodyPr>
           <a:lstStyle/>
           <a:p>
+            <a:pPr marL="0" indent="0">
+              <a:buNone/>
+            </a:pPr>
             <a:r>
               <a:rPr lang="en-IN" sz="2800" dirty="0">
-                <a:latin typeface="Segoe UI" panose="020B0502040204020203" pitchFamily="34" charset="0"/>
+                <a:solidFill>
+                  <a:schemeClr val="accent3">
+                    <a:lumMod val="60000"/>
+                    <a:lumOff val="40000"/>
+                  </a:schemeClr>
+                </a:solidFill>
                 <a:cs typeface="Segoe UI" panose="020B0502040204020203" pitchFamily="34" charset="0"/>
               </a:rPr>
-              <a:t>Stakeholders</a:t>
-            </a:r>
-          </a:p>
-          <a:p>
-            <a:endParaRPr lang="en-IN" sz="2800" dirty="0"/>
-          </a:p>
-          <a:p>
-            <a:r>
-              <a:rPr lang="en-IN" sz="2800" dirty="0"/>
-              <a:t>4. </a:t>
-            </a:r>
-            <a:r>
-              <a:rPr lang="en-IN" sz="2400" dirty="0">
-                <a:latin typeface="Segoe UI" panose="020B0502040204020203" pitchFamily="34" charset="0"/>
+              <a:t>Pharmacy Enterprise</a:t>
+            </a:r>
+          </a:p>
+          <a:p>
+            <a:pPr marL="0" indent="0">
+              <a:buNone/>
+            </a:pPr>
+            <a:endParaRPr lang="en-IN" sz="2400" dirty="0"/>
+          </a:p>
+          <a:p>
+            <a:pPr algn="just">
+              <a:lnSpc>
+                <a:spcPct val="150000"/>
+              </a:lnSpc>
+            </a:pPr>
+            <a:r>
+              <a:rPr lang="en-US" dirty="0">
                 <a:cs typeface="Segoe UI" panose="020B0502040204020203" pitchFamily="34" charset="0"/>
               </a:rPr>
-              <a:t>Community Rehabilitation Enterprise</a:t>
-            </a:r>
-          </a:p>
-          <a:p>
-            <a:endParaRPr lang="en-IN" sz="2400" dirty="0"/>
-          </a:p>
-          <a:p>
-            <a:r>
-              <a:rPr lang="en-US" dirty="0"/>
-              <a:t>Accept patients addicted to opioids</a:t>
-            </a:r>
-            <a:endParaRPr lang="en-IN" dirty="0"/>
-          </a:p>
-          <a:p>
-            <a:r>
-              <a:rPr lang="en-US" dirty="0"/>
-              <a:t>Collaborate with hospitals to fight crisis</a:t>
-            </a:r>
-            <a:endParaRPr lang="en-IN" dirty="0"/>
-          </a:p>
-          <a:p>
-            <a:endParaRPr lang="en-IN" sz="2800" dirty="0"/>
-          </a:p>
-        </p:txBody>
-      </p:sp>
+              <a:t>Pharmacy Enterprise will manage its Chemist Organization</a:t>
+            </a:r>
+          </a:p>
+          <a:p>
+            <a:pPr algn="just">
+              <a:lnSpc>
+                <a:spcPct val="150000"/>
+              </a:lnSpc>
+            </a:pPr>
+            <a:r>
+              <a:rPr lang="en-US" dirty="0">
+                <a:cs typeface="Segoe UI" panose="020B0502040204020203" pitchFamily="34" charset="0"/>
+              </a:rPr>
+              <a:t>The Pharmacy will be able to sell opioids to the patients based on the prescriptions, Pharmacy has a global prescription list of all the patients which has the total number of opioids prescribed by any doctor</a:t>
+            </a:r>
+          </a:p>
+          <a:p>
+            <a:pPr algn="just">
+              <a:lnSpc>
+                <a:spcPct val="150000"/>
+              </a:lnSpc>
+            </a:pPr>
+            <a:r>
+              <a:rPr lang="en-US" dirty="0">
+                <a:cs typeface="Segoe UI" panose="020B0502040204020203" pitchFamily="34" charset="0"/>
+              </a:rPr>
+              <a:t>Pharmacy can communicate with Pharmaceutical Enterprise to order opioids to manage its own stock</a:t>
+            </a:r>
+          </a:p>
+        </p:txBody>
+      </p:sp>
+      <p:pic>
+        <p:nvPicPr>
+          <p:cNvPr id="5" name="Picture 4"/>
+          <p:cNvPicPr>
+            <a:picLocks noChangeAspect="1"/>
+          </p:cNvPicPr>
+          <p:nvPr/>
+        </p:nvPicPr>
+        <p:blipFill rotWithShape="1">
+          <a:blip r:embed="rId2"/>
+          <a:srcRect b="20626"/>
+          <a:stretch/>
+        </p:blipFill>
+        <p:spPr>
+          <a:xfrm>
+            <a:off x="8196952" y="4075747"/>
+            <a:ext cx="3095625" cy="2457133"/>
+          </a:xfrm>
+          <a:prstGeom prst="rect">
+            <a:avLst/>
+          </a:prstGeom>
+        </p:spPr>
+      </p:pic>
     </p:spTree>
     <p:extLst>
       <p:ext uri="{BB962C8B-B14F-4D97-AF65-F5344CB8AC3E}">
-        <p14:creationId xmlns:p14="http://schemas.microsoft.com/office/powerpoint/2010/main" val="3362439739"/>
+        <p14:creationId xmlns:p14="http://schemas.microsoft.com/office/powerpoint/2010/main" val="3428993909"/>
       </p:ext>
     </p:extLst>
   </p:cSld>
   <p:clrMapOvr>
     <a:masterClrMapping/>
   </p:clrMapOvr>
+  <mc:AlternateContent xmlns:mc="http://schemas.openxmlformats.org/markup-compatibility/2006">
+    <mc:Choice xmlns:p14="http://schemas.microsoft.com/office/powerpoint/2010/main" Requires="p14">
+      <p:transition spd="med" p14:dur="700">
+        <p:fade/>
+      </p:transition>
+    </mc:Choice>
+    <mc:Fallback>
+      <p:transition spd="med">
+        <p:fade/>
+      </p:transition>
+    </mc:Fallback>
+  </mc:AlternateContent>
 </p:sld>
 </file>
 
@@ -8609,7 +10300,7 @@
         </p:nvSpPr>
         <p:spPr>
           <a:xfrm>
-            <a:off x="2377177" y="490329"/>
+            <a:off x="2377177" y="622409"/>
             <a:ext cx="8915400" cy="5950227"/>
           </a:xfrm>
         </p:spPr>
@@ -8619,62 +10310,113 @@
           </a:bodyPr>
           <a:lstStyle/>
           <a:p>
+            <a:pPr marL="0" indent="0">
+              <a:buNone/>
+            </a:pPr>
             <a:r>
               <a:rPr lang="en-IN" sz="2800" dirty="0">
-                <a:latin typeface="Segoe UI" panose="020B0502040204020203" pitchFamily="34" charset="0"/>
+                <a:solidFill>
+                  <a:schemeClr val="accent3">
+                    <a:lumMod val="60000"/>
+                    <a:lumOff val="40000"/>
+                  </a:schemeClr>
+                </a:solidFill>
                 <a:cs typeface="Segoe UI" panose="020B0502040204020203" pitchFamily="34" charset="0"/>
               </a:rPr>
-              <a:t>Stakeholders</a:t>
-            </a:r>
-          </a:p>
-          <a:p>
-            <a:endParaRPr lang="en-IN" sz="2800" dirty="0"/>
-          </a:p>
-          <a:p>
-            <a:r>
-              <a:rPr lang="en-IN" sz="2800" dirty="0"/>
-              <a:t>5. </a:t>
-            </a:r>
-            <a:r>
-              <a:rPr lang="en-IN" sz="2400" dirty="0">
-                <a:latin typeface="Segoe UI" panose="020B0502040204020203" pitchFamily="34" charset="0"/>
+              <a:t>Pharmaceutical Company Enterprise</a:t>
+            </a:r>
+          </a:p>
+          <a:p>
+            <a:pPr marL="0" indent="0">
+              <a:buNone/>
+            </a:pPr>
+            <a:endParaRPr lang="en-IN" sz="2400" dirty="0"/>
+          </a:p>
+          <a:p>
+            <a:pPr>
+              <a:lnSpc>
+                <a:spcPct val="150000"/>
+              </a:lnSpc>
+            </a:pPr>
+            <a:r>
+              <a:rPr lang="en-US" dirty="0">
+                <a:latin typeface="+mj-lt"/>
                 <a:cs typeface="Segoe UI" panose="020B0502040204020203" pitchFamily="34" charset="0"/>
               </a:rPr>
-              <a:t>Criminal Justice Department</a:t>
-            </a:r>
-          </a:p>
-          <a:p>
-            <a:endParaRPr lang="en-IN" sz="2400" dirty="0"/>
-          </a:p>
-          <a:p>
-            <a:r>
-              <a:rPr lang="en-US" dirty="0"/>
-              <a:t>Find pharmacies who are selling the opioids illegally </a:t>
-            </a:r>
-            <a:endParaRPr lang="en-IN" dirty="0"/>
-          </a:p>
-          <a:p>
-            <a:r>
-              <a:rPr lang="en-US" dirty="0"/>
-              <a:t>Find doctors who prescribe opioids despite medical history of abuse</a:t>
-            </a:r>
-            <a:endParaRPr lang="en-IN" dirty="0"/>
-          </a:p>
-          <a:p>
-            <a:endParaRPr lang="en-IN" sz="2800" dirty="0"/>
-          </a:p>
-        </p:txBody>
-      </p:sp>
+              <a:t>Pharmaceutical Company Enterprise gets work requests from Pharmacy Enterprise</a:t>
+            </a:r>
+          </a:p>
+          <a:p>
+            <a:pPr>
+              <a:lnSpc>
+                <a:spcPct val="150000"/>
+              </a:lnSpc>
+            </a:pPr>
+            <a:r>
+              <a:rPr lang="en-US" dirty="0">
+                <a:latin typeface="+mj-lt"/>
+                <a:cs typeface="Segoe UI" panose="020B0502040204020203" pitchFamily="34" charset="0"/>
+              </a:rPr>
+              <a:t>Based on the work requests, they dispatch the opioids to the Pharmacy and maintains a record</a:t>
+            </a:r>
+          </a:p>
+          <a:p>
+            <a:pPr marL="0" indent="0">
+              <a:lnSpc>
+                <a:spcPct val="150000"/>
+              </a:lnSpc>
+              <a:buNone/>
+            </a:pPr>
+            <a:endParaRPr lang="en-US" dirty="0"/>
+          </a:p>
+        </p:txBody>
+      </p:sp>
+      <p:pic>
+        <p:nvPicPr>
+          <p:cNvPr id="4" name="Picture 3"/>
+          <p:cNvPicPr>
+            <a:picLocks noChangeAspect="1"/>
+          </p:cNvPicPr>
+          <p:nvPr/>
+        </p:nvPicPr>
+        <p:blipFill>
+          <a:blip r:embed="rId2"/>
+          <a:stretch>
+            <a:fillRect/>
+          </a:stretch>
+        </p:blipFill>
+        <p:spPr>
+          <a:xfrm>
+            <a:off x="8874998" y="3312636"/>
+            <a:ext cx="3545364" cy="3545364"/>
+          </a:xfrm>
+          <a:prstGeom prst="rect">
+            <a:avLst/>
+          </a:prstGeom>
+        </p:spPr>
+      </p:pic>
     </p:spTree>
     <p:extLst>
       <p:ext uri="{BB962C8B-B14F-4D97-AF65-F5344CB8AC3E}">
-        <p14:creationId xmlns:p14="http://schemas.microsoft.com/office/powerpoint/2010/main" val="3973559264"/>
+        <p14:creationId xmlns:p14="http://schemas.microsoft.com/office/powerpoint/2010/main" val="2326540701"/>
       </p:ext>
     </p:extLst>
   </p:cSld>
   <p:clrMapOvr>
     <a:masterClrMapping/>
   </p:clrMapOvr>
+  <mc:AlternateContent xmlns:mc="http://schemas.openxmlformats.org/markup-compatibility/2006">
+    <mc:Choice xmlns:p14="http://schemas.microsoft.com/office/powerpoint/2010/main" Requires="p14">
+      <p:transition spd="med" p14:dur="700">
+        <p:fade/>
+      </p:transition>
+    </mc:Choice>
+    <mc:Fallback>
+      <p:transition spd="med">
+        <p:fade/>
+      </p:transition>
+    </mc:Fallback>
+  </mc:AlternateContent>
 </p:sld>
 </file>
 
@@ -8697,18 +10439,18 @@
       </p:grpSpPr>
       <p:sp>
         <p:nvSpPr>
-          <p:cNvPr id="3" name="Content Placeholder 2"/>
-          <p:cNvSpPr>
-            <a:spLocks noGrp="1"/>
-          </p:cNvSpPr>
-          <p:nvPr>
-            <p:ph idx="1"/>
+          <p:cNvPr id="2" name="Title 1"/>
+          <p:cNvSpPr>
+            <a:spLocks noGrp="1"/>
+          </p:cNvSpPr>
+          <p:nvPr>
+            <p:ph type="title"/>
           </p:nvPr>
         </p:nvSpPr>
         <p:spPr>
           <a:xfrm>
-            <a:off x="2377177" y="490329"/>
-            <a:ext cx="8915400" cy="5950227"/>
+            <a:off x="2592925" y="624110"/>
+            <a:ext cx="8911687" cy="747490"/>
           </a:xfrm>
         </p:spPr>
         <p:txBody>
@@ -8718,54 +10460,118 @@
           <a:lstStyle/>
           <a:p>
             <a:r>
-              <a:rPr lang="en-IN" sz="2800" dirty="0">
-                <a:latin typeface="Segoe UI" panose="020B0502040204020203" pitchFamily="34" charset="0"/>
+              <a:rPr lang="en-US" sz="2800" dirty="0"/>
+              <a:t>Community Rehabilitation Centers</a:t>
+            </a:r>
+          </a:p>
+        </p:txBody>
+      </p:sp>
+      <p:sp>
+        <p:nvSpPr>
+          <p:cNvPr id="3" name="Content Placeholder 2"/>
+          <p:cNvSpPr>
+            <a:spLocks noGrp="1"/>
+          </p:cNvSpPr>
+          <p:nvPr>
+            <p:ph idx="1"/>
+          </p:nvPr>
+        </p:nvSpPr>
+        <p:spPr>
+          <a:xfrm>
+            <a:off x="2592924" y="1780905"/>
+            <a:ext cx="6605564" cy="3777622"/>
+          </a:xfrm>
+        </p:spPr>
+        <p:txBody>
+          <a:bodyPr/>
+          <a:lstStyle/>
+          <a:p>
+            <a:pPr algn="just">
+              <a:lnSpc>
+                <a:spcPct val="150000"/>
+              </a:lnSpc>
+            </a:pPr>
+            <a:r>
+              <a:rPr lang="en-US" dirty="0">
                 <a:cs typeface="Segoe UI" panose="020B0502040204020203" pitchFamily="34" charset="0"/>
               </a:rPr>
-              <a:t>Stakeholders</a:t>
-            </a:r>
-          </a:p>
-          <a:p>
-            <a:endParaRPr lang="en-IN" sz="2800" dirty="0"/>
-          </a:p>
-          <a:p>
-            <a:r>
-              <a:rPr lang="en-IN" sz="2800" dirty="0"/>
-              <a:t>5. </a:t>
-            </a:r>
-            <a:r>
-              <a:rPr lang="en-IN" sz="2400" dirty="0">
-                <a:latin typeface="Segoe UI" panose="020B0502040204020203" pitchFamily="34" charset="0"/>
+              <a:t>These enterprises accept work requests that contain patients sent for rehabilitation from hospital enterprises</a:t>
+            </a:r>
+          </a:p>
+          <a:p>
+            <a:pPr algn="just">
+              <a:lnSpc>
+                <a:spcPct val="150000"/>
+              </a:lnSpc>
+            </a:pPr>
+            <a:r>
+              <a:rPr lang="en-US" dirty="0">
                 <a:cs typeface="Segoe UI" panose="020B0502040204020203" pitchFamily="34" charset="0"/>
               </a:rPr>
-              <a:t>Public Health Organization (Ecosystem)</a:t>
-            </a:r>
-          </a:p>
-          <a:p>
-            <a:endParaRPr lang="en-IN" sz="2400" dirty="0"/>
-          </a:p>
-          <a:p>
-            <a:r>
-              <a:rPr lang="en-US" dirty="0"/>
-              <a:t>Collaborate with other organizations to find patients who are abusing opioids</a:t>
-            </a:r>
-            <a:endParaRPr lang="en-IN" dirty="0"/>
-          </a:p>
-          <a:p>
-            <a:endParaRPr lang="en-IN" sz="2800" dirty="0"/>
-          </a:p>
-        </p:txBody>
-      </p:sp>
+              <a:t>They also collect data on admitted patients about their recovery, such as other addictions they might have picked up post opioid abuse</a:t>
+            </a:r>
+          </a:p>
+          <a:p>
+            <a:pPr algn="just">
+              <a:lnSpc>
+                <a:spcPct val="150000"/>
+              </a:lnSpc>
+            </a:pPr>
+            <a:r>
+              <a:rPr lang="en-US" dirty="0">
+                <a:cs typeface="Segoe UI" panose="020B0502040204020203" pitchFamily="34" charset="0"/>
+              </a:rPr>
+              <a:t>Rehab Centers also keep a track of a patient’s withdrawal symptoms during their recovery from opioid addiction</a:t>
+            </a:r>
+          </a:p>
+        </p:txBody>
+      </p:sp>
+      <p:pic>
+        <p:nvPicPr>
+          <p:cNvPr id="4" name="Picture 3"/>
+          <p:cNvPicPr>
+            <a:picLocks noChangeAspect="1"/>
+          </p:cNvPicPr>
+          <p:nvPr/>
+        </p:nvPicPr>
+        <p:blipFill>
+          <a:blip r:embed="rId2"/>
+          <a:stretch>
+            <a:fillRect/>
+          </a:stretch>
+        </p:blipFill>
+        <p:spPr>
+          <a:xfrm>
+            <a:off x="9323900" y="1280160"/>
+            <a:ext cx="2055300" cy="3251200"/>
+          </a:xfrm>
+          <a:prstGeom prst="rect">
+            <a:avLst/>
+          </a:prstGeom>
+        </p:spPr>
+      </p:pic>
     </p:spTree>
     <p:extLst>
       <p:ext uri="{BB962C8B-B14F-4D97-AF65-F5344CB8AC3E}">
-        <p14:creationId xmlns:p14="http://schemas.microsoft.com/office/powerpoint/2010/main" val="4038624650"/>
+        <p14:creationId xmlns:p14="http://schemas.microsoft.com/office/powerpoint/2010/main" val="1699019276"/>
       </p:ext>
     </p:extLst>
   </p:cSld>
   <p:clrMapOvr>
     <a:masterClrMapping/>
   </p:clrMapOvr>
+  <mc:AlternateContent xmlns:mc="http://schemas.openxmlformats.org/markup-compatibility/2006">
+    <mc:Choice xmlns:p14="http://schemas.microsoft.com/office/powerpoint/2010/main" Requires="p14">
+      <p:transition spd="med" p14:dur="700">
+        <p:fade/>
+      </p:transition>
+    </mc:Choice>
+    <mc:Fallback>
+      <p:transition spd="med">
+        <p:fade/>
+      </p:transition>
+    </mc:Fallback>
+  </mc:AlternateContent>
 </p:sld>
 </file>
 
@@ -9010,4 +10816,299 @@
     </a:ext>
   </a:extLst>
 </a:theme>
+</file>
+
+<file path=ppt/theme/theme2.xml><?xml version="1.0" encoding="utf-8"?>
+<a:theme xmlns:a="http://schemas.openxmlformats.org/drawingml/2006/main" name="Office Theme">
+  <a:themeElements>
+    <a:clrScheme name="Office">
+      <a:dk1>
+        <a:sysClr val="windowText" lastClr="000000"/>
+      </a:dk1>
+      <a:lt1>
+        <a:sysClr val="window" lastClr="FFFFFF"/>
+      </a:lt1>
+      <a:dk2>
+        <a:srgbClr val="44546A"/>
+      </a:dk2>
+      <a:lt2>
+        <a:srgbClr val="E7E6E6"/>
+      </a:lt2>
+      <a:accent1>
+        <a:srgbClr val="5B9BD5"/>
+      </a:accent1>
+      <a:accent2>
+        <a:srgbClr val="ED7D31"/>
+      </a:accent2>
+      <a:accent3>
+        <a:srgbClr val="A5A5A5"/>
+      </a:accent3>
+      <a:accent4>
+        <a:srgbClr val="FFC000"/>
+      </a:accent4>
+      <a:accent5>
+        <a:srgbClr val="4472C4"/>
+      </a:accent5>
+      <a:accent6>
+        <a:srgbClr val="70AD47"/>
+      </a:accent6>
+      <a:hlink>
+        <a:srgbClr val="0563C1"/>
+      </a:hlink>
+      <a:folHlink>
+        <a:srgbClr val="954F72"/>
+      </a:folHlink>
+    </a:clrScheme>
+    <a:fontScheme name="Office">
+      <a:majorFont>
+        <a:latin typeface="Calibri Light" panose="020F0302020204030204"/>
+        <a:ea typeface=""/>
+        <a:cs typeface=""/>
+        <a:font script="Jpan" typeface="游ゴシック Light"/>
+        <a:font script="Hang" typeface="맑은 고딕"/>
+        <a:font script="Hans" typeface="等线 Light"/>
+        <a:font script="Hant" typeface="新細明體"/>
+        <a:font script="Arab" typeface="Times New Roman"/>
+        <a:font script="Hebr" typeface="Times New Roman"/>
+        <a:font script="Thai" typeface="Angsana New"/>
+        <a:font script="Ethi" typeface="Nyala"/>
+        <a:font script="Beng" typeface="Vrinda"/>
+        <a:font script="Gujr" typeface="Shruti"/>
+        <a:font script="Khmr" typeface="MoolBoran"/>
+        <a:font script="Knda" typeface="Tunga"/>
+        <a:font script="Guru" typeface="Raavi"/>
+        <a:font script="Cans" typeface="Euphemia"/>
+        <a:font script="Cher" typeface="Plantagenet Cherokee"/>
+        <a:font script="Yiii" typeface="Microsoft Yi Baiti"/>
+        <a:font script="Tibt" typeface="Microsoft Himalaya"/>
+        <a:font script="Thaa" typeface="MV Boli"/>
+        <a:font script="Deva" typeface="Mangal"/>
+        <a:font script="Telu" typeface="Gautami"/>
+        <a:font script="Taml" typeface="Latha"/>
+        <a:font script="Syrc" typeface="Estrangelo Edessa"/>
+        <a:font script="Orya" typeface="Kalinga"/>
+        <a:font script="Mlym" typeface="Kartika"/>
+        <a:font script="Laoo" typeface="DokChampa"/>
+        <a:font script="Sinh" typeface="Iskoola Pota"/>
+        <a:font script="Mong" typeface="Mongolian Baiti"/>
+        <a:font script="Viet" typeface="Times New Roman"/>
+        <a:font script="Uigh" typeface="Microsoft Uighur"/>
+        <a:font script="Geor" typeface="Sylfaen"/>
+        <a:font script="Armn" typeface="Arial"/>
+        <a:font script="Bugi" typeface="Leelawadee UI"/>
+        <a:font script="Bopo" typeface="Microsoft JhengHei"/>
+        <a:font script="Java" typeface="Javanese Text"/>
+        <a:font script="Lisu" typeface="Segoe UI"/>
+        <a:font script="Mymr" typeface="Myanmar Text"/>
+        <a:font script="Nkoo" typeface="Ebrima"/>
+        <a:font script="Olck" typeface="Nirmala UI"/>
+        <a:font script="Osma" typeface="Ebrima"/>
+        <a:font script="Phag" typeface="Phagspa"/>
+        <a:font script="Syrn" typeface="Estrangelo Edessa"/>
+        <a:font script="Syrj" typeface="Estrangelo Edessa"/>
+        <a:font script="Syre" typeface="Estrangelo Edessa"/>
+        <a:font script="Sora" typeface="Nirmala UI"/>
+        <a:font script="Tale" typeface="Microsoft Tai Le"/>
+        <a:font script="Talu" typeface="Microsoft New Tai Lue"/>
+        <a:font script="Tfng" typeface="Ebrima"/>
+      </a:majorFont>
+      <a:minorFont>
+        <a:latin typeface="Calibri" panose="020F0502020204030204"/>
+        <a:ea typeface=""/>
+        <a:cs typeface=""/>
+        <a:font script="Jpan" typeface="游ゴシック"/>
+        <a:font script="Hang" typeface="맑은 고딕"/>
+        <a:font script="Hans" typeface="等线"/>
+        <a:font script="Hant" typeface="新細明體"/>
+        <a:font script="Arab" typeface="Arial"/>
+        <a:font script="Hebr" typeface="Arial"/>
+        <a:font script="Thai" typeface="Cordia New"/>
+        <a:font script="Ethi" typeface="Nyala"/>
+        <a:font script="Beng" typeface="Vrinda"/>
+        <a:font script="Gujr" typeface="Shruti"/>
+        <a:font script="Khmr" typeface="DaunPenh"/>
+        <a:font script="Knda" typeface="Tunga"/>
+        <a:font script="Guru" typeface="Raavi"/>
+        <a:font script="Cans" typeface="Euphemia"/>
+        <a:font script="Cher" typeface="Plantagenet Cherokee"/>
+        <a:font script="Yiii" typeface="Microsoft Yi Baiti"/>
+        <a:font script="Tibt" typeface="Microsoft Himalaya"/>
+        <a:font script="Thaa" typeface="MV Boli"/>
+        <a:font script="Deva" typeface="Mangal"/>
+        <a:font script="Telu" typeface="Gautami"/>
+        <a:font script="Taml" typeface="Latha"/>
+        <a:font script="Syrc" typeface="Estrangelo Edessa"/>
+        <a:font script="Orya" typeface="Kalinga"/>
+        <a:font script="Mlym" typeface="Kartika"/>
+        <a:font script="Laoo" typeface="DokChampa"/>
+        <a:font script="Sinh" typeface="Iskoola Pota"/>
+        <a:font script="Mong" typeface="Mongolian Baiti"/>
+        <a:font script="Viet" typeface="Arial"/>
+        <a:font script="Uigh" typeface="Microsoft Uighur"/>
+        <a:font script="Geor" typeface="Sylfaen"/>
+        <a:font script="Armn" typeface="Arial"/>
+        <a:font script="Bugi" typeface="Leelawadee UI"/>
+        <a:font script="Bopo" typeface="Microsoft JhengHei"/>
+        <a:font script="Java" typeface="Javanese Text"/>
+        <a:font script="Lisu" typeface="Segoe UI"/>
+        <a:font script="Mymr" typeface="Myanmar Text"/>
+        <a:font script="Nkoo" typeface="Ebrima"/>
+        <a:font script="Olck" typeface="Nirmala UI"/>
+        <a:font script="Osma" typeface="Ebrima"/>
+        <a:font script="Phag" typeface="Phagspa"/>
+        <a:font script="Syrn" typeface="Estrangelo Edessa"/>
+        <a:font script="Syrj" typeface="Estrangelo Edessa"/>
+        <a:font script="Syre" typeface="Estrangelo Edessa"/>
+        <a:font script="Sora" typeface="Nirmala UI"/>
+        <a:font script="Tale" typeface="Microsoft Tai Le"/>
+        <a:font script="Talu" typeface="Microsoft New Tai Lue"/>
+        <a:font script="Tfng" typeface="Ebrima"/>
+      </a:minorFont>
+    </a:fontScheme>
+    <a:fmtScheme name="Office">
+      <a:fillStyleLst>
+        <a:solidFill>
+          <a:schemeClr val="phClr"/>
+        </a:solidFill>
+        <a:gradFill rotWithShape="1">
+          <a:gsLst>
+            <a:gs pos="0">
+              <a:schemeClr val="phClr">
+                <a:lumMod val="110000"/>
+                <a:satMod val="105000"/>
+                <a:tint val="67000"/>
+              </a:schemeClr>
+            </a:gs>
+            <a:gs pos="50000">
+              <a:schemeClr val="phClr">
+                <a:lumMod val="105000"/>
+                <a:satMod val="103000"/>
+                <a:tint val="73000"/>
+              </a:schemeClr>
+            </a:gs>
+            <a:gs pos="100000">
+              <a:schemeClr val="phClr">
+                <a:lumMod val="105000"/>
+                <a:satMod val="109000"/>
+                <a:tint val="81000"/>
+              </a:schemeClr>
+            </a:gs>
+          </a:gsLst>
+          <a:lin ang="5400000" scaled="0"/>
+        </a:gradFill>
+        <a:gradFill rotWithShape="1">
+          <a:gsLst>
+            <a:gs pos="0">
+              <a:schemeClr val="phClr">
+                <a:satMod val="103000"/>
+                <a:lumMod val="102000"/>
+                <a:tint val="94000"/>
+              </a:schemeClr>
+            </a:gs>
+            <a:gs pos="50000">
+              <a:schemeClr val="phClr">
+                <a:satMod val="110000"/>
+                <a:lumMod val="100000"/>
+                <a:shade val="100000"/>
+              </a:schemeClr>
+            </a:gs>
+            <a:gs pos="100000">
+              <a:schemeClr val="phClr">
+                <a:lumMod val="99000"/>
+                <a:satMod val="120000"/>
+                <a:shade val="78000"/>
+              </a:schemeClr>
+            </a:gs>
+          </a:gsLst>
+          <a:lin ang="5400000" scaled="0"/>
+        </a:gradFill>
+      </a:fillStyleLst>
+      <a:lnStyleLst>
+        <a:ln w="6350" cap="flat" cmpd="sng" algn="ctr">
+          <a:solidFill>
+            <a:schemeClr val="phClr"/>
+          </a:solidFill>
+          <a:prstDash val="solid"/>
+          <a:miter lim="800000"/>
+        </a:ln>
+        <a:ln w="12700" cap="flat" cmpd="sng" algn="ctr">
+          <a:solidFill>
+            <a:schemeClr val="phClr"/>
+          </a:solidFill>
+          <a:prstDash val="solid"/>
+          <a:miter lim="800000"/>
+        </a:ln>
+        <a:ln w="19050" cap="flat" cmpd="sng" algn="ctr">
+          <a:solidFill>
+            <a:schemeClr val="phClr"/>
+          </a:solidFill>
+          <a:prstDash val="solid"/>
+          <a:miter lim="800000"/>
+        </a:ln>
+      </a:lnStyleLst>
+      <a:effectStyleLst>
+        <a:effectStyle>
+          <a:effectLst/>
+        </a:effectStyle>
+        <a:effectStyle>
+          <a:effectLst/>
+        </a:effectStyle>
+        <a:effectStyle>
+          <a:effectLst>
+            <a:outerShdw blurRad="57150" dist="19050" dir="5400000" algn="ctr" rotWithShape="0">
+              <a:srgbClr val="000000">
+                <a:alpha val="63000"/>
+              </a:srgbClr>
+            </a:outerShdw>
+          </a:effectLst>
+        </a:effectStyle>
+      </a:effectStyleLst>
+      <a:bgFillStyleLst>
+        <a:solidFill>
+          <a:schemeClr val="phClr"/>
+        </a:solidFill>
+        <a:solidFill>
+          <a:schemeClr val="phClr">
+            <a:tint val="95000"/>
+            <a:satMod val="170000"/>
+          </a:schemeClr>
+        </a:solidFill>
+        <a:gradFill rotWithShape="1">
+          <a:gsLst>
+            <a:gs pos="0">
+              <a:schemeClr val="phClr">
+                <a:tint val="93000"/>
+                <a:satMod val="150000"/>
+                <a:shade val="98000"/>
+                <a:lumMod val="102000"/>
+              </a:schemeClr>
+            </a:gs>
+            <a:gs pos="50000">
+              <a:schemeClr val="phClr">
+                <a:tint val="98000"/>
+                <a:satMod val="130000"/>
+                <a:shade val="90000"/>
+                <a:lumMod val="103000"/>
+              </a:schemeClr>
+            </a:gs>
+            <a:gs pos="100000">
+              <a:schemeClr val="phClr">
+                <a:shade val="63000"/>
+                <a:satMod val="120000"/>
+              </a:schemeClr>
+            </a:gs>
+          </a:gsLst>
+          <a:lin ang="5400000" scaled="0"/>
+        </a:gradFill>
+      </a:bgFillStyleLst>
+    </a:fmtScheme>
+  </a:themeElements>
+  <a:objectDefaults/>
+  <a:extraClrSchemeLst/>
+  <a:extLst>
+    <a:ext uri="{05A4C25C-085E-4340-85A3-A5531E510DB2}">
+      <thm15:themeFamily xmlns:thm15="http://schemas.microsoft.com/office/thememl/2012/main" name="Office Theme" id="{62F939B6-93AF-4DB8-9C6B-D6C7DFDC589F}" vid="{4A3C46E8-61CC-4603-A589-7422A47A8E4A}"/>
+    </a:ext>
+  </a:extLst>
+</a:theme>
 </file>